--- a/presentations/Data For Good_group9.pptx
+++ b/presentations/Data For Good_group9.pptx
@@ -16,6 +16,9 @@
     <p:sldId id="261" r:id="rId10"/>
     <p:sldId id="264" r:id="rId11"/>
     <p:sldId id="267" r:id="rId12"/>
+    <p:sldId id="271" r:id="rId13"/>
+    <p:sldId id="272" r:id="rId14"/>
+    <p:sldId id="273" r:id="rId15"/>
   </p:sldIdLst>
   <p:sldSz cx="12192000" cy="6858000"/>
   <p:notesSz cx="6858000" cy="9144000"/>
@@ -114,7 +117,2432 @@
       </a:defRPr>
     </a:lvl9pPr>
   </p:defaultTextStyle>
+  <p:extLst>
+    <p:ext uri="{EFAFB233-063F-42B5-8137-9DF3F51BA10A}">
+      <p15:sldGuideLst xmlns:p15="http://schemas.microsoft.com/office/powerpoint/2012/main"/>
+    </p:ext>
+  </p:extLst>
 </p:presentation>
+</file>
+
+<file path=ppt/diagrams/colors1.xml><?xml version="1.0" encoding="utf-8"?>
+<dgm:colorsDef xmlns:dgm="http://schemas.openxmlformats.org/drawingml/2006/diagram" xmlns:a="http://schemas.openxmlformats.org/drawingml/2006/main" uniqueId="urn:microsoft.com/office/officeart/2005/8/colors/colorful2">
+  <dgm:title val=""/>
+  <dgm:desc val=""/>
+  <dgm:catLst>
+    <dgm:cat type="colorful" pri="10200"/>
+  </dgm:catLst>
+  <dgm:styleLbl name="node0">
+    <dgm:fillClrLst meth="repeat">
+      <a:schemeClr val="accent1"/>
+    </dgm:fillClrLst>
+    <dgm:linClrLst meth="repeat">
+      <a:schemeClr val="lt1"/>
+    </dgm:linClrLst>
+    <dgm:effectClrLst/>
+    <dgm:txLinClrLst/>
+    <dgm:txFillClrLst/>
+    <dgm:txEffectClrLst/>
+  </dgm:styleLbl>
+  <dgm:styleLbl name="node1">
+    <dgm:fillClrLst>
+      <a:schemeClr val="accent2"/>
+      <a:schemeClr val="accent3"/>
+    </dgm:fillClrLst>
+    <dgm:linClrLst meth="repeat">
+      <a:schemeClr val="lt1"/>
+    </dgm:linClrLst>
+    <dgm:effectClrLst/>
+    <dgm:txLinClrLst/>
+    <dgm:txFillClrLst/>
+    <dgm:txEffectClrLst/>
+  </dgm:styleLbl>
+  <dgm:styleLbl name="alignNode1">
+    <dgm:fillClrLst>
+      <a:schemeClr val="accent2"/>
+      <a:schemeClr val="accent3"/>
+    </dgm:fillClrLst>
+    <dgm:linClrLst>
+      <a:schemeClr val="accent2"/>
+      <a:schemeClr val="accent3"/>
+    </dgm:linClrLst>
+    <dgm:effectClrLst/>
+    <dgm:txLinClrLst/>
+    <dgm:txFillClrLst/>
+    <dgm:txEffectClrLst/>
+  </dgm:styleLbl>
+  <dgm:styleLbl name="lnNode1">
+    <dgm:fillClrLst>
+      <a:schemeClr val="accent2"/>
+      <a:schemeClr val="accent3"/>
+    </dgm:fillClrLst>
+    <dgm:linClrLst meth="repeat">
+      <a:schemeClr val="lt1"/>
+    </dgm:linClrLst>
+    <dgm:effectClrLst/>
+    <dgm:txLinClrLst/>
+    <dgm:txFillClrLst/>
+    <dgm:txEffectClrLst/>
+  </dgm:styleLbl>
+  <dgm:styleLbl name="vennNode1">
+    <dgm:fillClrLst>
+      <a:schemeClr val="accent2">
+        <a:alpha val="50000"/>
+      </a:schemeClr>
+      <a:schemeClr val="accent3">
+        <a:alpha val="50000"/>
+      </a:schemeClr>
+    </dgm:fillClrLst>
+    <dgm:linClrLst meth="repeat">
+      <a:schemeClr val="lt1"/>
+    </dgm:linClrLst>
+    <dgm:effectClrLst/>
+    <dgm:txLinClrLst/>
+    <dgm:txFillClrLst/>
+    <dgm:txEffectClrLst/>
+  </dgm:styleLbl>
+  <dgm:styleLbl name="node2">
+    <dgm:fillClrLst>
+      <a:schemeClr val="accent3"/>
+    </dgm:fillClrLst>
+    <dgm:linClrLst meth="repeat">
+      <a:schemeClr val="lt1"/>
+    </dgm:linClrLst>
+    <dgm:effectClrLst/>
+    <dgm:txLinClrLst/>
+    <dgm:txFillClrLst/>
+    <dgm:txEffectClrLst/>
+  </dgm:styleLbl>
+  <dgm:styleLbl name="node3">
+    <dgm:fillClrLst>
+      <a:schemeClr val="accent4"/>
+    </dgm:fillClrLst>
+    <dgm:linClrLst meth="repeat">
+      <a:schemeClr val="lt1"/>
+    </dgm:linClrLst>
+    <dgm:effectClrLst/>
+    <dgm:txLinClrLst/>
+    <dgm:txFillClrLst/>
+    <dgm:txEffectClrLst/>
+  </dgm:styleLbl>
+  <dgm:styleLbl name="node4">
+    <dgm:fillClrLst>
+      <a:schemeClr val="accent5"/>
+    </dgm:fillClrLst>
+    <dgm:linClrLst meth="repeat">
+      <a:schemeClr val="lt1"/>
+    </dgm:linClrLst>
+    <dgm:effectClrLst/>
+    <dgm:txLinClrLst/>
+    <dgm:txFillClrLst/>
+    <dgm:txEffectClrLst/>
+  </dgm:styleLbl>
+  <dgm:styleLbl name="fgImgPlace1">
+    <dgm:fillClrLst>
+      <a:schemeClr val="accent2">
+        <a:tint val="50000"/>
+      </a:schemeClr>
+      <a:schemeClr val="accent3">
+        <a:tint val="50000"/>
+      </a:schemeClr>
+    </dgm:fillClrLst>
+    <dgm:linClrLst meth="repeat">
+      <a:schemeClr val="lt1"/>
+    </dgm:linClrLst>
+    <dgm:effectClrLst/>
+    <dgm:txLinClrLst/>
+    <dgm:txFillClrLst meth="repeat">
+      <a:schemeClr val="lt1"/>
+    </dgm:txFillClrLst>
+    <dgm:txEffectClrLst/>
+  </dgm:styleLbl>
+  <dgm:styleLbl name="alignImgPlace1">
+    <dgm:fillClrLst>
+      <a:schemeClr val="accent2">
+        <a:tint val="50000"/>
+      </a:schemeClr>
+      <a:schemeClr val="accent3">
+        <a:tint val="20000"/>
+      </a:schemeClr>
+    </dgm:fillClrLst>
+    <dgm:linClrLst meth="repeat">
+      <a:schemeClr val="lt1"/>
+    </dgm:linClrLst>
+    <dgm:effectClrLst/>
+    <dgm:txLinClrLst/>
+    <dgm:txFillClrLst meth="repeat">
+      <a:schemeClr val="lt1"/>
+    </dgm:txFillClrLst>
+    <dgm:txEffectClrLst/>
+  </dgm:styleLbl>
+  <dgm:styleLbl name="bgImgPlace1">
+    <dgm:fillClrLst>
+      <a:schemeClr val="accent2">
+        <a:tint val="50000"/>
+      </a:schemeClr>
+      <a:schemeClr val="accent3">
+        <a:tint val="20000"/>
+      </a:schemeClr>
+    </dgm:fillClrLst>
+    <dgm:linClrLst meth="repeat">
+      <a:schemeClr val="lt1"/>
+    </dgm:linClrLst>
+    <dgm:effectClrLst/>
+    <dgm:txLinClrLst/>
+    <dgm:txFillClrLst meth="repeat">
+      <a:schemeClr val="lt1"/>
+    </dgm:txFillClrLst>
+    <dgm:txEffectClrLst/>
+  </dgm:styleLbl>
+  <dgm:styleLbl name="sibTrans2D1">
+    <dgm:fillClrLst>
+      <a:schemeClr val="accent2"/>
+      <a:schemeClr val="accent3"/>
+    </dgm:fillClrLst>
+    <dgm:linClrLst meth="repeat">
+      <a:schemeClr val="lt1"/>
+    </dgm:linClrLst>
+    <dgm:effectClrLst/>
+    <dgm:txLinClrLst/>
+    <dgm:txFillClrLst/>
+    <dgm:txEffectClrLst/>
+  </dgm:styleLbl>
+  <dgm:styleLbl name="fgSibTrans2D1">
+    <dgm:fillClrLst>
+      <a:schemeClr val="accent2"/>
+      <a:schemeClr val="accent3"/>
+    </dgm:fillClrLst>
+    <dgm:linClrLst meth="repeat">
+      <a:schemeClr val="lt1"/>
+    </dgm:linClrLst>
+    <dgm:effectClrLst/>
+    <dgm:txLinClrLst/>
+    <dgm:txFillClrLst meth="repeat">
+      <a:schemeClr val="lt1"/>
+    </dgm:txFillClrLst>
+    <dgm:txEffectClrLst/>
+  </dgm:styleLbl>
+  <dgm:styleLbl name="bgSibTrans2D1">
+    <dgm:fillClrLst>
+      <a:schemeClr val="accent2"/>
+      <a:schemeClr val="accent3"/>
+    </dgm:fillClrLst>
+    <dgm:linClrLst meth="repeat">
+      <a:schemeClr val="lt1"/>
+    </dgm:linClrLst>
+    <dgm:effectClrLst/>
+    <dgm:txLinClrLst/>
+    <dgm:txFillClrLst meth="repeat">
+      <a:schemeClr val="lt1"/>
+    </dgm:txFillClrLst>
+    <dgm:txEffectClrLst/>
+  </dgm:styleLbl>
+  <dgm:styleLbl name="sibTrans1D1">
+    <dgm:fillClrLst/>
+    <dgm:linClrLst>
+      <a:schemeClr val="accent2"/>
+      <a:schemeClr val="accent3"/>
+    </dgm:linClrLst>
+    <dgm:effectClrLst/>
+    <dgm:txLinClrLst/>
+    <dgm:txFillClrLst meth="repeat">
+      <a:schemeClr val="tx1"/>
+    </dgm:txFillClrLst>
+    <dgm:txEffectClrLst/>
+  </dgm:styleLbl>
+  <dgm:styleLbl name="callout">
+    <dgm:fillClrLst meth="repeat">
+      <a:schemeClr val="accent2"/>
+    </dgm:fillClrLst>
+    <dgm:linClrLst meth="repeat">
+      <a:schemeClr val="accent2">
+        <a:tint val="50000"/>
+      </a:schemeClr>
+    </dgm:linClrLst>
+    <dgm:effectClrLst/>
+    <dgm:txLinClrLst/>
+    <dgm:txFillClrLst meth="repeat">
+      <a:schemeClr val="tx1"/>
+    </dgm:txFillClrLst>
+    <dgm:txEffectClrLst/>
+  </dgm:styleLbl>
+  <dgm:styleLbl name="asst0">
+    <dgm:fillClrLst meth="repeat">
+      <a:schemeClr val="accent2"/>
+    </dgm:fillClrLst>
+    <dgm:linClrLst meth="repeat">
+      <a:schemeClr val="lt1">
+        <a:shade val="80000"/>
+      </a:schemeClr>
+    </dgm:linClrLst>
+    <dgm:effectClrLst/>
+    <dgm:txLinClrLst/>
+    <dgm:txFillClrLst/>
+    <dgm:txEffectClrLst/>
+  </dgm:styleLbl>
+  <dgm:styleLbl name="asst1">
+    <dgm:fillClrLst meth="repeat">
+      <a:schemeClr val="accent3"/>
+    </dgm:fillClrLst>
+    <dgm:linClrLst meth="repeat">
+      <a:schemeClr val="lt1">
+        <a:shade val="80000"/>
+      </a:schemeClr>
+    </dgm:linClrLst>
+    <dgm:effectClrLst/>
+    <dgm:txLinClrLst/>
+    <dgm:txFillClrLst/>
+    <dgm:txEffectClrLst/>
+  </dgm:styleLbl>
+  <dgm:styleLbl name="asst2">
+    <dgm:fillClrLst>
+      <a:schemeClr val="accent4"/>
+    </dgm:fillClrLst>
+    <dgm:linClrLst meth="repeat">
+      <a:schemeClr val="lt1"/>
+    </dgm:linClrLst>
+    <dgm:effectClrLst/>
+    <dgm:txLinClrLst/>
+    <dgm:txFillClrLst/>
+    <dgm:txEffectClrLst/>
+  </dgm:styleLbl>
+  <dgm:styleLbl name="asst3">
+    <dgm:fillClrLst>
+      <a:schemeClr val="accent5"/>
+    </dgm:fillClrLst>
+    <dgm:linClrLst meth="repeat">
+      <a:schemeClr val="lt1"/>
+    </dgm:linClrLst>
+    <dgm:effectClrLst/>
+    <dgm:txLinClrLst/>
+    <dgm:txFillClrLst/>
+    <dgm:txEffectClrLst/>
+  </dgm:styleLbl>
+  <dgm:styleLbl name="asst4">
+    <dgm:fillClrLst>
+      <a:schemeClr val="accent6"/>
+    </dgm:fillClrLst>
+    <dgm:linClrLst meth="repeat">
+      <a:schemeClr val="lt1"/>
+    </dgm:linClrLst>
+    <dgm:effectClrLst/>
+    <dgm:txLinClrLst/>
+    <dgm:txFillClrLst/>
+    <dgm:txEffectClrLst/>
+  </dgm:styleLbl>
+  <dgm:styleLbl name="parChTrans2D1">
+    <dgm:fillClrLst meth="repeat">
+      <a:schemeClr val="accent2"/>
+    </dgm:fillClrLst>
+    <dgm:linClrLst meth="repeat">
+      <a:schemeClr val="lt1"/>
+    </dgm:linClrLst>
+    <dgm:effectClrLst/>
+    <dgm:txLinClrLst/>
+    <dgm:txFillClrLst meth="repeat">
+      <a:schemeClr val="lt1"/>
+    </dgm:txFillClrLst>
+    <dgm:txEffectClrLst/>
+  </dgm:styleLbl>
+  <dgm:styleLbl name="parChTrans2D2">
+    <dgm:fillClrLst meth="repeat">
+      <a:schemeClr val="accent3"/>
+    </dgm:fillClrLst>
+    <dgm:linClrLst meth="repeat">
+      <a:schemeClr val="lt1"/>
+    </dgm:linClrLst>
+    <dgm:effectClrLst/>
+    <dgm:txLinClrLst/>
+    <dgm:txFillClrLst/>
+    <dgm:txEffectClrLst/>
+  </dgm:styleLbl>
+  <dgm:styleLbl name="parChTrans2D3">
+    <dgm:fillClrLst meth="repeat">
+      <a:schemeClr val="accent4"/>
+    </dgm:fillClrLst>
+    <dgm:linClrLst meth="repeat">
+      <a:schemeClr val="lt1"/>
+    </dgm:linClrLst>
+    <dgm:effectClrLst/>
+    <dgm:txLinClrLst/>
+    <dgm:txFillClrLst/>
+    <dgm:txEffectClrLst/>
+  </dgm:styleLbl>
+  <dgm:styleLbl name="parChTrans2D4">
+    <dgm:fillClrLst meth="repeat">
+      <a:schemeClr val="accent5"/>
+    </dgm:fillClrLst>
+    <dgm:linClrLst meth="repeat">
+      <a:schemeClr val="lt1"/>
+    </dgm:linClrLst>
+    <dgm:effectClrLst/>
+    <dgm:txLinClrLst/>
+    <dgm:txFillClrLst meth="repeat">
+      <a:schemeClr val="lt1"/>
+    </dgm:txFillClrLst>
+    <dgm:txEffectClrLst/>
+  </dgm:styleLbl>
+  <dgm:styleLbl name="parChTrans1D1">
+    <dgm:fillClrLst meth="repeat">
+      <a:schemeClr val="accent2"/>
+    </dgm:fillClrLst>
+    <dgm:linClrLst meth="repeat">
+      <a:schemeClr val="accent2"/>
+    </dgm:linClrLst>
+    <dgm:effectClrLst/>
+    <dgm:txLinClrLst/>
+    <dgm:txFillClrLst meth="repeat">
+      <a:schemeClr val="tx1"/>
+    </dgm:txFillClrLst>
+    <dgm:txEffectClrLst/>
+  </dgm:styleLbl>
+  <dgm:styleLbl name="parChTrans1D2">
+    <dgm:fillClrLst meth="repeat">
+      <a:schemeClr val="accent2">
+        <a:tint val="90000"/>
+      </a:schemeClr>
+    </dgm:fillClrLst>
+    <dgm:linClrLst meth="repeat">
+      <a:schemeClr val="accent3"/>
+    </dgm:linClrLst>
+    <dgm:effectClrLst/>
+    <dgm:txLinClrLst/>
+    <dgm:txFillClrLst meth="repeat">
+      <a:schemeClr val="tx1"/>
+    </dgm:txFillClrLst>
+    <dgm:txEffectClrLst/>
+  </dgm:styleLbl>
+  <dgm:styleLbl name="parChTrans1D3">
+    <dgm:fillClrLst meth="repeat">
+      <a:schemeClr val="accent2">
+        <a:tint val="70000"/>
+      </a:schemeClr>
+    </dgm:fillClrLst>
+    <dgm:linClrLst meth="repeat">
+      <a:schemeClr val="accent4"/>
+    </dgm:linClrLst>
+    <dgm:effectClrLst/>
+    <dgm:txLinClrLst/>
+    <dgm:txFillClrLst meth="repeat">
+      <a:schemeClr val="tx1"/>
+    </dgm:txFillClrLst>
+    <dgm:txEffectClrLst/>
+  </dgm:styleLbl>
+  <dgm:styleLbl name="parChTrans1D4">
+    <dgm:fillClrLst meth="repeat">
+      <a:schemeClr val="accent2">
+        <a:tint val="50000"/>
+      </a:schemeClr>
+    </dgm:fillClrLst>
+    <dgm:linClrLst meth="repeat">
+      <a:schemeClr val="accent5"/>
+    </dgm:linClrLst>
+    <dgm:effectClrLst/>
+    <dgm:txLinClrLst/>
+    <dgm:txFillClrLst meth="repeat">
+      <a:schemeClr val="tx1"/>
+    </dgm:txFillClrLst>
+    <dgm:txEffectClrLst/>
+  </dgm:styleLbl>
+  <dgm:styleLbl name="fgAcc1">
+    <dgm:fillClrLst meth="repeat">
+      <a:schemeClr val="lt1">
+        <a:alpha val="90000"/>
+      </a:schemeClr>
+    </dgm:fillClrLst>
+    <dgm:linClrLst>
+      <a:schemeClr val="accent2"/>
+      <a:schemeClr val="accent3"/>
+    </dgm:linClrLst>
+    <dgm:effectClrLst/>
+    <dgm:txLinClrLst/>
+    <dgm:txFillClrLst meth="repeat">
+      <a:schemeClr val="dk1"/>
+    </dgm:txFillClrLst>
+    <dgm:txEffectClrLst/>
+  </dgm:styleLbl>
+  <dgm:styleLbl name="conFgAcc1">
+    <dgm:fillClrLst meth="repeat">
+      <a:schemeClr val="lt1">
+        <a:alpha val="90000"/>
+      </a:schemeClr>
+    </dgm:fillClrLst>
+    <dgm:linClrLst>
+      <a:schemeClr val="accent2"/>
+      <a:schemeClr val="accent3"/>
+    </dgm:linClrLst>
+    <dgm:effectClrLst/>
+    <dgm:txLinClrLst/>
+    <dgm:txFillClrLst meth="repeat">
+      <a:schemeClr val="dk1"/>
+    </dgm:txFillClrLst>
+    <dgm:txEffectClrLst/>
+  </dgm:styleLbl>
+  <dgm:styleLbl name="alignAcc1">
+    <dgm:fillClrLst meth="repeat">
+      <a:schemeClr val="lt1">
+        <a:alpha val="90000"/>
+      </a:schemeClr>
+    </dgm:fillClrLst>
+    <dgm:linClrLst>
+      <a:schemeClr val="accent2"/>
+      <a:schemeClr val="accent3"/>
+    </dgm:linClrLst>
+    <dgm:effectClrLst/>
+    <dgm:txLinClrLst/>
+    <dgm:txFillClrLst meth="repeat">
+      <a:schemeClr val="dk1"/>
+    </dgm:txFillClrLst>
+    <dgm:txEffectClrLst/>
+  </dgm:styleLbl>
+  <dgm:styleLbl name="trAlignAcc1">
+    <dgm:fillClrLst meth="repeat">
+      <a:schemeClr val="lt1">
+        <a:alpha val="40000"/>
+      </a:schemeClr>
+    </dgm:fillClrLst>
+    <dgm:linClrLst meth="repeat">
+      <a:schemeClr val="accent2"/>
+    </dgm:linClrLst>
+    <dgm:effectClrLst/>
+    <dgm:txLinClrLst/>
+    <dgm:txFillClrLst meth="repeat">
+      <a:schemeClr val="dk1"/>
+    </dgm:txFillClrLst>
+    <dgm:txEffectClrLst/>
+  </dgm:styleLbl>
+  <dgm:styleLbl name="bgAcc1">
+    <dgm:fillClrLst meth="repeat">
+      <a:schemeClr val="lt1">
+        <a:alpha val="90000"/>
+      </a:schemeClr>
+    </dgm:fillClrLst>
+    <dgm:linClrLst>
+      <a:schemeClr val="accent2"/>
+      <a:schemeClr val="accent3"/>
+    </dgm:linClrLst>
+    <dgm:effectClrLst/>
+    <dgm:txLinClrLst/>
+    <dgm:txFillClrLst meth="repeat">
+      <a:schemeClr val="dk1"/>
+    </dgm:txFillClrLst>
+    <dgm:txEffectClrLst/>
+  </dgm:styleLbl>
+  <dgm:styleLbl name="solidFgAcc1">
+    <dgm:fillClrLst meth="repeat">
+      <a:schemeClr val="lt1"/>
+    </dgm:fillClrLst>
+    <dgm:linClrLst>
+      <a:schemeClr val="accent2"/>
+      <a:schemeClr val="accent3"/>
+    </dgm:linClrLst>
+    <dgm:effectClrLst/>
+    <dgm:txLinClrLst/>
+    <dgm:txFillClrLst meth="repeat">
+      <a:schemeClr val="dk1"/>
+    </dgm:txFillClrLst>
+    <dgm:txEffectClrLst/>
+  </dgm:styleLbl>
+  <dgm:styleLbl name="solidAlignAcc1">
+    <dgm:fillClrLst meth="repeat">
+      <a:schemeClr val="lt1"/>
+    </dgm:fillClrLst>
+    <dgm:linClrLst>
+      <a:schemeClr val="accent2"/>
+      <a:schemeClr val="accent3"/>
+    </dgm:linClrLst>
+    <dgm:effectClrLst/>
+    <dgm:txLinClrLst/>
+    <dgm:txFillClrLst meth="repeat">
+      <a:schemeClr val="dk1"/>
+    </dgm:txFillClrLst>
+    <dgm:txEffectClrLst/>
+  </dgm:styleLbl>
+  <dgm:styleLbl name="solidBgAcc1">
+    <dgm:fillClrLst meth="repeat">
+      <a:schemeClr val="lt1"/>
+    </dgm:fillClrLst>
+    <dgm:linClrLst>
+      <a:schemeClr val="accent2"/>
+      <a:schemeClr val="accent3"/>
+    </dgm:linClrLst>
+    <dgm:effectClrLst/>
+    <dgm:txLinClrLst/>
+    <dgm:txFillClrLst meth="repeat">
+      <a:schemeClr val="dk1"/>
+    </dgm:txFillClrLst>
+    <dgm:txEffectClrLst/>
+  </dgm:styleLbl>
+  <dgm:styleLbl name="fgAccFollowNode1">
+    <dgm:fillClrLst>
+      <a:schemeClr val="accent2">
+        <a:tint val="40000"/>
+        <a:alpha val="90000"/>
+      </a:schemeClr>
+      <a:schemeClr val="accent3">
+        <a:tint val="40000"/>
+        <a:alpha val="90000"/>
+      </a:schemeClr>
+    </dgm:fillClrLst>
+    <dgm:linClrLst>
+      <a:schemeClr val="accent2">
+        <a:tint val="40000"/>
+        <a:alpha val="90000"/>
+      </a:schemeClr>
+      <a:schemeClr val="accent3">
+        <a:tint val="40000"/>
+        <a:alpha val="90000"/>
+      </a:schemeClr>
+    </dgm:linClrLst>
+    <dgm:effectClrLst/>
+    <dgm:txLinClrLst/>
+    <dgm:txFillClrLst meth="repeat">
+      <a:schemeClr val="dk1"/>
+    </dgm:txFillClrLst>
+    <dgm:txEffectClrLst/>
+  </dgm:styleLbl>
+  <dgm:styleLbl name="alignAccFollowNode1">
+    <dgm:fillClrLst>
+      <a:schemeClr val="accent2">
+        <a:tint val="40000"/>
+        <a:alpha val="90000"/>
+      </a:schemeClr>
+      <a:schemeClr val="accent3">
+        <a:tint val="40000"/>
+        <a:alpha val="90000"/>
+      </a:schemeClr>
+    </dgm:fillClrLst>
+    <dgm:linClrLst>
+      <a:schemeClr val="accent2">
+        <a:tint val="40000"/>
+        <a:alpha val="90000"/>
+      </a:schemeClr>
+      <a:schemeClr val="accent3">
+        <a:tint val="40000"/>
+        <a:alpha val="90000"/>
+      </a:schemeClr>
+    </dgm:linClrLst>
+    <dgm:effectClrLst/>
+    <dgm:txLinClrLst/>
+    <dgm:txFillClrLst meth="repeat">
+      <a:schemeClr val="dk1"/>
+    </dgm:txFillClrLst>
+    <dgm:txEffectClrLst/>
+  </dgm:styleLbl>
+  <dgm:styleLbl name="bgAccFollowNode1">
+    <dgm:fillClrLst>
+      <a:schemeClr val="accent2">
+        <a:tint val="40000"/>
+        <a:alpha val="90000"/>
+      </a:schemeClr>
+      <a:schemeClr val="accent3">
+        <a:tint val="40000"/>
+        <a:alpha val="90000"/>
+      </a:schemeClr>
+    </dgm:fillClrLst>
+    <dgm:linClrLst>
+      <a:schemeClr val="accent2">
+        <a:tint val="40000"/>
+        <a:alpha val="90000"/>
+      </a:schemeClr>
+      <a:schemeClr val="accent3">
+        <a:tint val="40000"/>
+        <a:alpha val="90000"/>
+      </a:schemeClr>
+    </dgm:linClrLst>
+    <dgm:effectClrLst/>
+    <dgm:txLinClrLst/>
+    <dgm:txFillClrLst meth="repeat">
+      <a:schemeClr val="dk1"/>
+    </dgm:txFillClrLst>
+    <dgm:txEffectClrLst/>
+  </dgm:styleLbl>
+  <dgm:styleLbl name="fgAcc0">
+    <dgm:fillClrLst meth="repeat">
+      <a:schemeClr val="lt1">
+        <a:alpha val="90000"/>
+      </a:schemeClr>
+    </dgm:fillClrLst>
+    <dgm:linClrLst>
+      <a:schemeClr val="accent1"/>
+    </dgm:linClrLst>
+    <dgm:effectClrLst/>
+    <dgm:txLinClrLst/>
+    <dgm:txFillClrLst meth="repeat">
+      <a:schemeClr val="dk1"/>
+    </dgm:txFillClrLst>
+    <dgm:txEffectClrLst/>
+  </dgm:styleLbl>
+  <dgm:styleLbl name="fgAcc2">
+    <dgm:fillClrLst meth="repeat">
+      <a:schemeClr val="lt1">
+        <a:alpha val="90000"/>
+      </a:schemeClr>
+    </dgm:fillClrLst>
+    <dgm:linClrLst>
+      <a:schemeClr val="accent3"/>
+    </dgm:linClrLst>
+    <dgm:effectClrLst/>
+    <dgm:txLinClrLst/>
+    <dgm:txFillClrLst meth="repeat">
+      <a:schemeClr val="dk1"/>
+    </dgm:txFillClrLst>
+    <dgm:txEffectClrLst/>
+  </dgm:styleLbl>
+  <dgm:styleLbl name="fgAcc3">
+    <dgm:fillClrLst meth="repeat">
+      <a:schemeClr val="lt1">
+        <a:alpha val="90000"/>
+      </a:schemeClr>
+    </dgm:fillClrLst>
+    <dgm:linClrLst>
+      <a:schemeClr val="accent4"/>
+    </dgm:linClrLst>
+    <dgm:effectClrLst/>
+    <dgm:txLinClrLst/>
+    <dgm:txFillClrLst meth="repeat">
+      <a:schemeClr val="dk1"/>
+    </dgm:txFillClrLst>
+    <dgm:txEffectClrLst/>
+  </dgm:styleLbl>
+  <dgm:styleLbl name="fgAcc4">
+    <dgm:fillClrLst meth="repeat">
+      <a:schemeClr val="lt1">
+        <a:alpha val="90000"/>
+      </a:schemeClr>
+    </dgm:fillClrLst>
+    <dgm:linClrLst>
+      <a:schemeClr val="accent5"/>
+    </dgm:linClrLst>
+    <dgm:effectClrLst/>
+    <dgm:txLinClrLst/>
+    <dgm:txFillClrLst meth="repeat">
+      <a:schemeClr val="dk1"/>
+    </dgm:txFillClrLst>
+    <dgm:txEffectClrLst/>
+  </dgm:styleLbl>
+  <dgm:styleLbl name="bgShp">
+    <dgm:fillClrLst meth="repeat">
+      <a:schemeClr val="accent2">
+        <a:tint val="40000"/>
+      </a:schemeClr>
+    </dgm:fillClrLst>
+    <dgm:linClrLst meth="repeat">
+      <a:schemeClr val="dk1"/>
+    </dgm:linClrLst>
+    <dgm:effectClrLst/>
+    <dgm:txLinClrLst/>
+    <dgm:txFillClrLst meth="repeat">
+      <a:schemeClr val="dk1"/>
+    </dgm:txFillClrLst>
+    <dgm:txEffectClrLst/>
+  </dgm:styleLbl>
+  <dgm:styleLbl name="dkBgShp">
+    <dgm:fillClrLst meth="repeat">
+      <a:schemeClr val="accent2">
+        <a:shade val="90000"/>
+      </a:schemeClr>
+    </dgm:fillClrLst>
+    <dgm:linClrLst meth="repeat">
+      <a:schemeClr val="dk1"/>
+    </dgm:linClrLst>
+    <dgm:effectClrLst/>
+    <dgm:txLinClrLst/>
+    <dgm:txFillClrLst meth="repeat">
+      <a:schemeClr val="lt1"/>
+    </dgm:txFillClrLst>
+    <dgm:txEffectClrLst/>
+  </dgm:styleLbl>
+  <dgm:styleLbl name="trBgShp">
+    <dgm:fillClrLst meth="repeat">
+      <a:schemeClr val="accent2">
+        <a:tint val="50000"/>
+        <a:alpha val="40000"/>
+      </a:schemeClr>
+    </dgm:fillClrLst>
+    <dgm:linClrLst meth="repeat">
+      <a:schemeClr val="accent2"/>
+    </dgm:linClrLst>
+    <dgm:effectClrLst/>
+    <dgm:txLinClrLst/>
+    <dgm:txFillClrLst meth="repeat">
+      <a:schemeClr val="lt1"/>
+    </dgm:txFillClrLst>
+    <dgm:txEffectClrLst/>
+  </dgm:styleLbl>
+  <dgm:styleLbl name="fgShp">
+    <dgm:fillClrLst meth="repeat">
+      <a:schemeClr val="accent2">
+        <a:tint val="40000"/>
+      </a:schemeClr>
+    </dgm:fillClrLst>
+    <dgm:linClrLst meth="repeat">
+      <a:schemeClr val="lt1"/>
+    </dgm:linClrLst>
+    <dgm:effectClrLst/>
+    <dgm:txLinClrLst/>
+    <dgm:txFillClrLst meth="repeat">
+      <a:schemeClr val="dk1"/>
+    </dgm:txFillClrLst>
+    <dgm:txEffectClrLst/>
+  </dgm:styleLbl>
+  <dgm:styleLbl name="revTx">
+    <dgm:fillClrLst meth="repeat">
+      <a:schemeClr val="lt1">
+        <a:alpha val="0"/>
+      </a:schemeClr>
+    </dgm:fillClrLst>
+    <dgm:linClrLst meth="repeat">
+      <a:schemeClr val="dk1">
+        <a:alpha val="0"/>
+      </a:schemeClr>
+    </dgm:linClrLst>
+    <dgm:effectClrLst/>
+    <dgm:txLinClrLst/>
+    <dgm:txFillClrLst meth="repeat">
+      <a:schemeClr val="tx1"/>
+    </dgm:txFillClrLst>
+    <dgm:txEffectClrLst/>
+  </dgm:styleLbl>
+</dgm:colorsDef>
+</file>
+
+<file path=ppt/diagrams/data1.xml><?xml version="1.0" encoding="utf-8"?>
+<dgm:dataModel xmlns:dgm="http://schemas.openxmlformats.org/drawingml/2006/diagram" xmlns:a="http://schemas.openxmlformats.org/drawingml/2006/main">
+  <dgm:ptLst>
+    <dgm:pt modelId="{E8D01BAA-2C56-4734-88F6-56337792CD73}" type="doc">
+      <dgm:prSet loTypeId="urn:microsoft.com/office/officeart/2005/8/layout/vList2" loCatId="list" qsTypeId="urn:microsoft.com/office/officeart/2005/8/quickstyle/simple1" qsCatId="simple" csTypeId="urn:microsoft.com/office/officeart/2005/8/colors/colorful2" csCatId="colorful"/>
+      <dgm:spPr/>
+      <dgm:t>
+        <a:bodyPr/>
+        <a:lstStyle/>
+        <a:p>
+          <a:endParaRPr lang="en-US"/>
+        </a:p>
+      </dgm:t>
+    </dgm:pt>
+    <dgm:pt modelId="{242A501D-D728-4BCA-8F93-2A133A1038B3}">
+      <dgm:prSet/>
+      <dgm:spPr/>
+      <dgm:t>
+        <a:bodyPr/>
+        <a:lstStyle/>
+        <a:p>
+          <a:r>
+            <a:rPr lang="en-US"/>
+            <a:t>Which hashtags are global and which are more local? What is the difference in impact? </a:t>
+          </a:r>
+        </a:p>
+      </dgm:t>
+    </dgm:pt>
+    <dgm:pt modelId="{BD3BB3D6-9B7D-458B-8AFF-488B4BBB582B}" type="parTrans" cxnId="{FC8110AF-0747-4677-ACE4-3E27E50A2779}">
+      <dgm:prSet/>
+      <dgm:spPr/>
+      <dgm:t>
+        <a:bodyPr/>
+        <a:lstStyle/>
+        <a:p>
+          <a:endParaRPr lang="en-US"/>
+        </a:p>
+      </dgm:t>
+    </dgm:pt>
+    <dgm:pt modelId="{2278C1A8-3227-4A05-BD99-D3ABC26DACF4}" type="sibTrans" cxnId="{FC8110AF-0747-4677-ACE4-3E27E50A2779}">
+      <dgm:prSet/>
+      <dgm:spPr/>
+      <dgm:t>
+        <a:bodyPr/>
+        <a:lstStyle/>
+        <a:p>
+          <a:endParaRPr lang="en-US"/>
+        </a:p>
+      </dgm:t>
+    </dgm:pt>
+    <dgm:pt modelId="{BB77710E-A82D-43CE-A2CA-94B1AECB6B2A}">
+      <dgm:prSet/>
+      <dgm:spPr/>
+      <dgm:t>
+        <a:bodyPr/>
+        <a:lstStyle/>
+        <a:p>
+          <a:r>
+            <a:rPr lang="en-US"/>
+            <a:t>What is the frequency and nature of engagement of followers with organizations’ tweets</a:t>
+          </a:r>
+        </a:p>
+      </dgm:t>
+    </dgm:pt>
+    <dgm:pt modelId="{D6F76E8B-CA2C-4ED2-9B7D-F3C0D7906860}" type="parTrans" cxnId="{020707EF-1D46-401B-ACF6-0AAF7785E63F}">
+      <dgm:prSet/>
+      <dgm:spPr/>
+      <dgm:t>
+        <a:bodyPr/>
+        <a:lstStyle/>
+        <a:p>
+          <a:endParaRPr lang="en-US"/>
+        </a:p>
+      </dgm:t>
+    </dgm:pt>
+    <dgm:pt modelId="{EB65ED19-1961-47AE-B1A8-13D8EBD83314}" type="sibTrans" cxnId="{020707EF-1D46-401B-ACF6-0AAF7785E63F}">
+      <dgm:prSet/>
+      <dgm:spPr/>
+      <dgm:t>
+        <a:bodyPr/>
+        <a:lstStyle/>
+        <a:p>
+          <a:endParaRPr lang="en-US"/>
+        </a:p>
+      </dgm:t>
+    </dgm:pt>
+    <dgm:pt modelId="{D7196512-9A38-4E26-A7BF-EBEEF0EAEB7D}">
+      <dgm:prSet/>
+      <dgm:spPr/>
+      <dgm:t>
+        <a:bodyPr/>
+        <a:lstStyle/>
+        <a:p>
+          <a:r>
+            <a:rPr lang="en-US"/>
+            <a:t>We would like to revisit this topic after a couple months to see the difference after new strategies are deployed. </a:t>
+          </a:r>
+        </a:p>
+      </dgm:t>
+    </dgm:pt>
+    <dgm:pt modelId="{7CA948CC-97B9-4400-A28A-0AC856CE0A4C}" type="parTrans" cxnId="{E9CBEB2C-0C38-475D-8ED5-A17CAA8F0515}">
+      <dgm:prSet/>
+      <dgm:spPr/>
+      <dgm:t>
+        <a:bodyPr/>
+        <a:lstStyle/>
+        <a:p>
+          <a:endParaRPr lang="en-US"/>
+        </a:p>
+      </dgm:t>
+    </dgm:pt>
+    <dgm:pt modelId="{752DAC5F-1F6F-425A-85E6-BDD378BE6122}" type="sibTrans" cxnId="{E9CBEB2C-0C38-475D-8ED5-A17CAA8F0515}">
+      <dgm:prSet/>
+      <dgm:spPr/>
+      <dgm:t>
+        <a:bodyPr/>
+        <a:lstStyle/>
+        <a:p>
+          <a:endParaRPr lang="en-US"/>
+        </a:p>
+      </dgm:t>
+    </dgm:pt>
+    <dgm:pt modelId="{24DA1A18-AE14-4B26-A3F4-ACD091721F8A}" type="pres">
+      <dgm:prSet presAssocID="{E8D01BAA-2C56-4734-88F6-56337792CD73}" presName="linear" presStyleCnt="0">
+        <dgm:presLayoutVars>
+          <dgm:animLvl val="lvl"/>
+          <dgm:resizeHandles val="exact"/>
+        </dgm:presLayoutVars>
+      </dgm:prSet>
+      <dgm:spPr/>
+    </dgm:pt>
+    <dgm:pt modelId="{19101A54-56E7-4061-9F9D-843C62C1E759}" type="pres">
+      <dgm:prSet presAssocID="{242A501D-D728-4BCA-8F93-2A133A1038B3}" presName="parentText" presStyleLbl="node1" presStyleIdx="0" presStyleCnt="3">
+        <dgm:presLayoutVars>
+          <dgm:chMax val="0"/>
+          <dgm:bulletEnabled val="1"/>
+        </dgm:presLayoutVars>
+      </dgm:prSet>
+      <dgm:spPr/>
+    </dgm:pt>
+    <dgm:pt modelId="{C21B25F9-92ED-442F-A750-59DA64CAB265}" type="pres">
+      <dgm:prSet presAssocID="{2278C1A8-3227-4A05-BD99-D3ABC26DACF4}" presName="spacer" presStyleCnt="0"/>
+      <dgm:spPr/>
+    </dgm:pt>
+    <dgm:pt modelId="{E0B1E9F3-C63C-4CDA-A043-69022F8E643F}" type="pres">
+      <dgm:prSet presAssocID="{BB77710E-A82D-43CE-A2CA-94B1AECB6B2A}" presName="parentText" presStyleLbl="node1" presStyleIdx="1" presStyleCnt="3">
+        <dgm:presLayoutVars>
+          <dgm:chMax val="0"/>
+          <dgm:bulletEnabled val="1"/>
+        </dgm:presLayoutVars>
+      </dgm:prSet>
+      <dgm:spPr/>
+    </dgm:pt>
+    <dgm:pt modelId="{4D0974CA-E599-461C-A8FF-6D5B354B122B}" type="pres">
+      <dgm:prSet presAssocID="{EB65ED19-1961-47AE-B1A8-13D8EBD83314}" presName="spacer" presStyleCnt="0"/>
+      <dgm:spPr/>
+    </dgm:pt>
+    <dgm:pt modelId="{FEB85636-2159-48A1-B4E7-41E4F472B44D}" type="pres">
+      <dgm:prSet presAssocID="{D7196512-9A38-4E26-A7BF-EBEEF0EAEB7D}" presName="parentText" presStyleLbl="node1" presStyleIdx="2" presStyleCnt="3">
+        <dgm:presLayoutVars>
+          <dgm:chMax val="0"/>
+          <dgm:bulletEnabled val="1"/>
+        </dgm:presLayoutVars>
+      </dgm:prSet>
+      <dgm:spPr/>
+    </dgm:pt>
+  </dgm:ptLst>
+  <dgm:cxnLst>
+    <dgm:cxn modelId="{2ADB5515-9D6B-492B-B190-8DB5CF9F5C93}" type="presOf" srcId="{BB77710E-A82D-43CE-A2CA-94B1AECB6B2A}" destId="{E0B1E9F3-C63C-4CDA-A043-69022F8E643F}" srcOrd="0" destOrd="0" presId="urn:microsoft.com/office/officeart/2005/8/layout/vList2"/>
+    <dgm:cxn modelId="{E9CBEB2C-0C38-475D-8ED5-A17CAA8F0515}" srcId="{E8D01BAA-2C56-4734-88F6-56337792CD73}" destId="{D7196512-9A38-4E26-A7BF-EBEEF0EAEB7D}" srcOrd="2" destOrd="0" parTransId="{7CA948CC-97B9-4400-A28A-0AC856CE0A4C}" sibTransId="{752DAC5F-1F6F-425A-85E6-BDD378BE6122}"/>
+    <dgm:cxn modelId="{CBEE9244-78AA-4C4C-B963-B8BD465596AB}" type="presOf" srcId="{E8D01BAA-2C56-4734-88F6-56337792CD73}" destId="{24DA1A18-AE14-4B26-A3F4-ACD091721F8A}" srcOrd="0" destOrd="0" presId="urn:microsoft.com/office/officeart/2005/8/layout/vList2"/>
+    <dgm:cxn modelId="{FC8110AF-0747-4677-ACE4-3E27E50A2779}" srcId="{E8D01BAA-2C56-4734-88F6-56337792CD73}" destId="{242A501D-D728-4BCA-8F93-2A133A1038B3}" srcOrd="0" destOrd="0" parTransId="{BD3BB3D6-9B7D-458B-8AFF-488B4BBB582B}" sibTransId="{2278C1A8-3227-4A05-BD99-D3ABC26DACF4}"/>
+    <dgm:cxn modelId="{2D1996B1-74EC-4C40-8DCA-F1696588C031}" type="presOf" srcId="{D7196512-9A38-4E26-A7BF-EBEEF0EAEB7D}" destId="{FEB85636-2159-48A1-B4E7-41E4F472B44D}" srcOrd="0" destOrd="0" presId="urn:microsoft.com/office/officeart/2005/8/layout/vList2"/>
+    <dgm:cxn modelId="{A58827B6-9DAF-49BA-A3E9-BA87806E0098}" type="presOf" srcId="{242A501D-D728-4BCA-8F93-2A133A1038B3}" destId="{19101A54-56E7-4061-9F9D-843C62C1E759}" srcOrd="0" destOrd="0" presId="urn:microsoft.com/office/officeart/2005/8/layout/vList2"/>
+    <dgm:cxn modelId="{020707EF-1D46-401B-ACF6-0AAF7785E63F}" srcId="{E8D01BAA-2C56-4734-88F6-56337792CD73}" destId="{BB77710E-A82D-43CE-A2CA-94B1AECB6B2A}" srcOrd="1" destOrd="0" parTransId="{D6F76E8B-CA2C-4ED2-9B7D-F3C0D7906860}" sibTransId="{EB65ED19-1961-47AE-B1A8-13D8EBD83314}"/>
+    <dgm:cxn modelId="{42EB80F9-E7C2-47E0-80B3-DE1AE79D7B96}" type="presParOf" srcId="{24DA1A18-AE14-4B26-A3F4-ACD091721F8A}" destId="{19101A54-56E7-4061-9F9D-843C62C1E759}" srcOrd="0" destOrd="0" presId="urn:microsoft.com/office/officeart/2005/8/layout/vList2"/>
+    <dgm:cxn modelId="{4C74930A-222B-4F77-90CA-C4C42278BFA8}" type="presParOf" srcId="{24DA1A18-AE14-4B26-A3F4-ACD091721F8A}" destId="{C21B25F9-92ED-442F-A750-59DA64CAB265}" srcOrd="1" destOrd="0" presId="urn:microsoft.com/office/officeart/2005/8/layout/vList2"/>
+    <dgm:cxn modelId="{B612E69C-B66D-4BF2-8806-57A01E347C7D}" type="presParOf" srcId="{24DA1A18-AE14-4B26-A3F4-ACD091721F8A}" destId="{E0B1E9F3-C63C-4CDA-A043-69022F8E643F}" srcOrd="2" destOrd="0" presId="urn:microsoft.com/office/officeart/2005/8/layout/vList2"/>
+    <dgm:cxn modelId="{1E3043A0-9D40-467D-8C95-6104E3B1A146}" type="presParOf" srcId="{24DA1A18-AE14-4B26-A3F4-ACD091721F8A}" destId="{4D0974CA-E599-461C-A8FF-6D5B354B122B}" srcOrd="3" destOrd="0" presId="urn:microsoft.com/office/officeart/2005/8/layout/vList2"/>
+    <dgm:cxn modelId="{D6A47000-0386-46E0-A7F5-944BA4DA8707}" type="presParOf" srcId="{24DA1A18-AE14-4B26-A3F4-ACD091721F8A}" destId="{FEB85636-2159-48A1-B4E7-41E4F472B44D}" srcOrd="4" destOrd="0" presId="urn:microsoft.com/office/officeart/2005/8/layout/vList2"/>
+  </dgm:cxnLst>
+  <dgm:bg/>
+  <dgm:whole/>
+  <dgm:extLst>
+    <a:ext uri="http://schemas.microsoft.com/office/drawing/2008/diagram">
+      <dsp:dataModelExt xmlns:dsp="http://schemas.microsoft.com/office/drawing/2008/diagram" relId="rId6" minVer="http://schemas.openxmlformats.org/drawingml/2006/diagram"/>
+    </a:ext>
+  </dgm:extLst>
+</dgm:dataModel>
+</file>
+
+<file path=ppt/diagrams/drawing1.xml><?xml version="1.0" encoding="utf-8"?>
+<dsp:drawing xmlns:dgm="http://schemas.openxmlformats.org/drawingml/2006/diagram" xmlns:dsp="http://schemas.microsoft.com/office/drawing/2008/diagram" xmlns:a="http://schemas.openxmlformats.org/drawingml/2006/main">
+  <dsp:spTree>
+    <dsp:nvGrpSpPr>
+      <dsp:cNvPr id="0" name=""/>
+      <dsp:cNvGrpSpPr/>
+    </dsp:nvGrpSpPr>
+    <dsp:grpSpPr/>
+    <dsp:sp modelId="{19101A54-56E7-4061-9F9D-843C62C1E759}">
+      <dsp:nvSpPr>
+        <dsp:cNvPr id="0" name=""/>
+        <dsp:cNvSpPr/>
+      </dsp:nvSpPr>
+      <dsp:spPr>
+        <a:xfrm>
+          <a:off x="0" y="276758"/>
+          <a:ext cx="6263640" cy="1594710"/>
+        </a:xfrm>
+        <a:prstGeom prst="roundRect">
+          <a:avLst/>
+        </a:prstGeom>
+        <a:solidFill>
+          <a:schemeClr val="accent2">
+            <a:hueOff val="0"/>
+            <a:satOff val="0"/>
+            <a:lumOff val="0"/>
+            <a:alphaOff val="0"/>
+          </a:schemeClr>
+        </a:solidFill>
+        <a:ln w="12700" cap="flat" cmpd="sng" algn="ctr">
+          <a:solidFill>
+            <a:schemeClr val="lt1">
+              <a:hueOff val="0"/>
+              <a:satOff val="0"/>
+              <a:lumOff val="0"/>
+              <a:alphaOff val="0"/>
+            </a:schemeClr>
+          </a:solidFill>
+          <a:prstDash val="solid"/>
+          <a:miter lim="800000"/>
+        </a:ln>
+        <a:effectLst/>
+      </dsp:spPr>
+      <dsp:style>
+        <a:lnRef idx="2">
+          <a:scrgbClr r="0" g="0" b="0"/>
+        </a:lnRef>
+        <a:fillRef idx="1">
+          <a:scrgbClr r="0" g="0" b="0"/>
+        </a:fillRef>
+        <a:effectRef idx="0">
+          <a:scrgbClr r="0" g="0" b="0"/>
+        </a:effectRef>
+        <a:fontRef idx="minor">
+          <a:schemeClr val="lt1"/>
+        </a:fontRef>
+      </dsp:style>
+      <dsp:txBody>
+        <a:bodyPr spcFirstLastPara="0" vert="horz" wrap="square" lIns="110490" tIns="110490" rIns="110490" bIns="110490" numCol="1" spcCol="1270" anchor="ctr" anchorCtr="0">
+          <a:noAutofit/>
+        </a:bodyPr>
+        <a:lstStyle/>
+        <a:p>
+          <a:pPr marL="0" lvl="0" indent="0" algn="l" defTabSz="1289050">
+            <a:lnSpc>
+              <a:spcPct val="90000"/>
+            </a:lnSpc>
+            <a:spcBef>
+              <a:spcPct val="0"/>
+            </a:spcBef>
+            <a:spcAft>
+              <a:spcPct val="35000"/>
+            </a:spcAft>
+            <a:buNone/>
+          </a:pPr>
+          <a:r>
+            <a:rPr lang="en-US" sz="2900" kern="1200"/>
+            <a:t>Which hashtags are global and which are more local? What is the difference in impact? </a:t>
+          </a:r>
+        </a:p>
+      </dsp:txBody>
+      <dsp:txXfrm>
+        <a:off x="77847" y="354605"/>
+        <a:ext cx="6107946" cy="1439016"/>
+      </dsp:txXfrm>
+    </dsp:sp>
+    <dsp:sp modelId="{E0B1E9F3-C63C-4CDA-A043-69022F8E643F}">
+      <dsp:nvSpPr>
+        <dsp:cNvPr id="0" name=""/>
+        <dsp:cNvSpPr/>
+      </dsp:nvSpPr>
+      <dsp:spPr>
+        <a:xfrm>
+          <a:off x="0" y="1954988"/>
+          <a:ext cx="6263640" cy="1594710"/>
+        </a:xfrm>
+        <a:prstGeom prst="roundRect">
+          <a:avLst/>
+        </a:prstGeom>
+        <a:solidFill>
+          <a:schemeClr val="accent2">
+            <a:hueOff val="-727682"/>
+            <a:satOff val="-41964"/>
+            <a:lumOff val="4314"/>
+            <a:alphaOff val="0"/>
+          </a:schemeClr>
+        </a:solidFill>
+        <a:ln w="12700" cap="flat" cmpd="sng" algn="ctr">
+          <a:solidFill>
+            <a:schemeClr val="lt1">
+              <a:hueOff val="0"/>
+              <a:satOff val="0"/>
+              <a:lumOff val="0"/>
+              <a:alphaOff val="0"/>
+            </a:schemeClr>
+          </a:solidFill>
+          <a:prstDash val="solid"/>
+          <a:miter lim="800000"/>
+        </a:ln>
+        <a:effectLst/>
+      </dsp:spPr>
+      <dsp:style>
+        <a:lnRef idx="2">
+          <a:scrgbClr r="0" g="0" b="0"/>
+        </a:lnRef>
+        <a:fillRef idx="1">
+          <a:scrgbClr r="0" g="0" b="0"/>
+        </a:fillRef>
+        <a:effectRef idx="0">
+          <a:scrgbClr r="0" g="0" b="0"/>
+        </a:effectRef>
+        <a:fontRef idx="minor">
+          <a:schemeClr val="lt1"/>
+        </a:fontRef>
+      </dsp:style>
+      <dsp:txBody>
+        <a:bodyPr spcFirstLastPara="0" vert="horz" wrap="square" lIns="110490" tIns="110490" rIns="110490" bIns="110490" numCol="1" spcCol="1270" anchor="ctr" anchorCtr="0">
+          <a:noAutofit/>
+        </a:bodyPr>
+        <a:lstStyle/>
+        <a:p>
+          <a:pPr marL="0" lvl="0" indent="0" algn="l" defTabSz="1289050">
+            <a:lnSpc>
+              <a:spcPct val="90000"/>
+            </a:lnSpc>
+            <a:spcBef>
+              <a:spcPct val="0"/>
+            </a:spcBef>
+            <a:spcAft>
+              <a:spcPct val="35000"/>
+            </a:spcAft>
+            <a:buNone/>
+          </a:pPr>
+          <a:r>
+            <a:rPr lang="en-US" sz="2900" kern="1200"/>
+            <a:t>What is the frequency and nature of engagement of followers with organizations’ tweets</a:t>
+          </a:r>
+        </a:p>
+      </dsp:txBody>
+      <dsp:txXfrm>
+        <a:off x="77847" y="2032835"/>
+        <a:ext cx="6107946" cy="1439016"/>
+      </dsp:txXfrm>
+    </dsp:sp>
+    <dsp:sp modelId="{FEB85636-2159-48A1-B4E7-41E4F472B44D}">
+      <dsp:nvSpPr>
+        <dsp:cNvPr id="0" name=""/>
+        <dsp:cNvSpPr/>
+      </dsp:nvSpPr>
+      <dsp:spPr>
+        <a:xfrm>
+          <a:off x="0" y="3633219"/>
+          <a:ext cx="6263640" cy="1594710"/>
+        </a:xfrm>
+        <a:prstGeom prst="roundRect">
+          <a:avLst/>
+        </a:prstGeom>
+        <a:solidFill>
+          <a:schemeClr val="accent2">
+            <a:hueOff val="-1455363"/>
+            <a:satOff val="-83928"/>
+            <a:lumOff val="8628"/>
+            <a:alphaOff val="0"/>
+          </a:schemeClr>
+        </a:solidFill>
+        <a:ln w="12700" cap="flat" cmpd="sng" algn="ctr">
+          <a:solidFill>
+            <a:schemeClr val="lt1">
+              <a:hueOff val="0"/>
+              <a:satOff val="0"/>
+              <a:lumOff val="0"/>
+              <a:alphaOff val="0"/>
+            </a:schemeClr>
+          </a:solidFill>
+          <a:prstDash val="solid"/>
+          <a:miter lim="800000"/>
+        </a:ln>
+        <a:effectLst/>
+      </dsp:spPr>
+      <dsp:style>
+        <a:lnRef idx="2">
+          <a:scrgbClr r="0" g="0" b="0"/>
+        </a:lnRef>
+        <a:fillRef idx="1">
+          <a:scrgbClr r="0" g="0" b="0"/>
+        </a:fillRef>
+        <a:effectRef idx="0">
+          <a:scrgbClr r="0" g="0" b="0"/>
+        </a:effectRef>
+        <a:fontRef idx="minor">
+          <a:schemeClr val="lt1"/>
+        </a:fontRef>
+      </dsp:style>
+      <dsp:txBody>
+        <a:bodyPr spcFirstLastPara="0" vert="horz" wrap="square" lIns="110490" tIns="110490" rIns="110490" bIns="110490" numCol="1" spcCol="1270" anchor="ctr" anchorCtr="0">
+          <a:noAutofit/>
+        </a:bodyPr>
+        <a:lstStyle/>
+        <a:p>
+          <a:pPr marL="0" lvl="0" indent="0" algn="l" defTabSz="1289050">
+            <a:lnSpc>
+              <a:spcPct val="90000"/>
+            </a:lnSpc>
+            <a:spcBef>
+              <a:spcPct val="0"/>
+            </a:spcBef>
+            <a:spcAft>
+              <a:spcPct val="35000"/>
+            </a:spcAft>
+            <a:buNone/>
+          </a:pPr>
+          <a:r>
+            <a:rPr lang="en-US" sz="2900" kern="1200"/>
+            <a:t>We would like to revisit this topic after a couple months to see the difference after new strategies are deployed. </a:t>
+          </a:r>
+        </a:p>
+      </dsp:txBody>
+      <dsp:txXfrm>
+        <a:off x="77847" y="3711066"/>
+        <a:ext cx="6107946" cy="1439016"/>
+      </dsp:txXfrm>
+    </dsp:sp>
+  </dsp:spTree>
+</dsp:drawing>
+</file>
+
+<file path=ppt/diagrams/layout1.xml><?xml version="1.0" encoding="utf-8"?>
+<dgm:layoutDef xmlns:dgm="http://schemas.openxmlformats.org/drawingml/2006/diagram" xmlns:a="http://schemas.openxmlformats.org/drawingml/2006/main" uniqueId="urn:microsoft.com/office/officeart/2005/8/layout/vList2">
+  <dgm:title val=""/>
+  <dgm:desc val=""/>
+  <dgm:catLst>
+    <dgm:cat type="list" pri="3000"/>
+    <dgm:cat type="convert" pri="1000"/>
+  </dgm:catLst>
+  <dgm:sampData>
+    <dgm:dataModel>
+      <dgm:ptLst>
+        <dgm:pt modelId="0" type="doc"/>
+        <dgm:pt modelId="1">
+          <dgm:prSet phldr="1"/>
+        </dgm:pt>
+        <dgm:pt modelId="11">
+          <dgm:prSet phldr="1"/>
+        </dgm:pt>
+        <dgm:pt modelId="2">
+          <dgm:prSet phldr="1"/>
+        </dgm:pt>
+        <dgm:pt modelId="21">
+          <dgm:prSet phldr="1"/>
+        </dgm:pt>
+      </dgm:ptLst>
+      <dgm:cxnLst>
+        <dgm:cxn modelId="4" srcId="0" destId="1" srcOrd="0" destOrd="0"/>
+        <dgm:cxn modelId="5" srcId="0" destId="2" srcOrd="1" destOrd="0"/>
+        <dgm:cxn modelId="12" srcId="1" destId="11" srcOrd="0" destOrd="0"/>
+        <dgm:cxn modelId="23" srcId="2" destId="21" srcOrd="0" destOrd="0"/>
+      </dgm:cxnLst>
+      <dgm:bg/>
+      <dgm:whole/>
+    </dgm:dataModel>
+  </dgm:sampData>
+  <dgm:styleData>
+    <dgm:dataModel>
+      <dgm:ptLst>
+        <dgm:pt modelId="0" type="doc"/>
+        <dgm:pt modelId="1"/>
+        <dgm:pt modelId="2"/>
+      </dgm:ptLst>
+      <dgm:cxnLst>
+        <dgm:cxn modelId="3" srcId="0" destId="1" srcOrd="0" destOrd="0"/>
+        <dgm:cxn modelId="4" srcId="0" destId="2" srcOrd="1" destOrd="0"/>
+      </dgm:cxnLst>
+      <dgm:bg/>
+      <dgm:whole/>
+    </dgm:dataModel>
+  </dgm:styleData>
+  <dgm:clrData>
+    <dgm:dataModel>
+      <dgm:ptLst>
+        <dgm:pt modelId="0" type="doc"/>
+        <dgm:pt modelId="1"/>
+        <dgm:pt modelId="2"/>
+        <dgm:pt modelId="3"/>
+        <dgm:pt modelId="4"/>
+      </dgm:ptLst>
+      <dgm:cxnLst>
+        <dgm:cxn modelId="5" srcId="0" destId="1" srcOrd="0" destOrd="0"/>
+        <dgm:cxn modelId="6" srcId="0" destId="2" srcOrd="1" destOrd="0"/>
+        <dgm:cxn modelId="7" srcId="0" destId="3" srcOrd="2" destOrd="0"/>
+        <dgm:cxn modelId="8" srcId="0" destId="4" srcOrd="3" destOrd="0"/>
+      </dgm:cxnLst>
+      <dgm:bg/>
+      <dgm:whole/>
+    </dgm:dataModel>
+  </dgm:clrData>
+  <dgm:layoutNode name="linear">
+    <dgm:varLst>
+      <dgm:animLvl val="lvl"/>
+      <dgm:resizeHandles val="exact"/>
+    </dgm:varLst>
+    <dgm:alg type="lin">
+      <dgm:param type="linDir" val="fromT"/>
+      <dgm:param type="vertAlign" val="mid"/>
+    </dgm:alg>
+    <dgm:shape xmlns:r="http://schemas.openxmlformats.org/officeDocument/2006/relationships" r:blip="">
+      <dgm:adjLst/>
+    </dgm:shape>
+    <dgm:presOf/>
+    <dgm:constrLst>
+      <dgm:constr type="w" for="ch" forName="parentText" refType="w"/>
+      <dgm:constr type="h" for="ch" forName="parentText" refType="primFontSz" refFor="ch" refForName="parentText" fact="0.52"/>
+      <dgm:constr type="w" for="ch" forName="childText" refType="w"/>
+      <dgm:constr type="h" for="ch" forName="childText" refType="primFontSz" refFor="ch" refForName="parentText" fact="0.46"/>
+      <dgm:constr type="h" for="ch" forName="parentText" op="equ"/>
+      <dgm:constr type="primFontSz" for="ch" forName="parentText" op="equ" val="65"/>
+      <dgm:constr type="primFontSz" for="ch" forName="childText" refType="primFontSz" refFor="ch" refForName="parentText" op="equ"/>
+      <dgm:constr type="h" for="ch" forName="spacer" refType="primFontSz" refFor="ch" refForName="parentText" fact="0.08"/>
+    </dgm:constrLst>
+    <dgm:ruleLst>
+      <dgm:rule type="primFontSz" for="ch" forName="parentText" val="5" fact="NaN" max="NaN"/>
+    </dgm:ruleLst>
+    <dgm:forEach name="Name0" axis="ch" ptType="node">
+      <dgm:layoutNode name="parentText" styleLbl="node1">
+        <dgm:varLst>
+          <dgm:chMax val="0"/>
+          <dgm:bulletEnabled val="1"/>
+        </dgm:varLst>
+        <dgm:alg type="tx">
+          <dgm:param type="parTxLTRAlign" val="l"/>
+          <dgm:param type="parTxRTLAlign" val="r"/>
+        </dgm:alg>
+        <dgm:shape xmlns:r="http://schemas.openxmlformats.org/officeDocument/2006/relationships" type="roundRect" r:blip="">
+          <dgm:adjLst/>
+        </dgm:shape>
+        <dgm:presOf axis="self"/>
+        <dgm:constrLst>
+          <dgm:constr type="tMarg" refType="primFontSz" fact="0.3"/>
+          <dgm:constr type="bMarg" refType="primFontSz" fact="0.3"/>
+          <dgm:constr type="lMarg" refType="primFontSz" fact="0.3"/>
+          <dgm:constr type="rMarg" refType="primFontSz" fact="0.3"/>
+        </dgm:constrLst>
+        <dgm:ruleLst>
+          <dgm:rule type="h" val="INF" fact="NaN" max="NaN"/>
+        </dgm:ruleLst>
+      </dgm:layoutNode>
+      <dgm:choose name="Name1">
+        <dgm:if name="Name2" axis="ch" ptType="node" func="cnt" op="gte" val="1">
+          <dgm:layoutNode name="childText" styleLbl="revTx">
+            <dgm:varLst>
+              <dgm:bulletEnabled val="1"/>
+            </dgm:varLst>
+            <dgm:alg type="tx">
+              <dgm:param type="stBulletLvl" val="1"/>
+              <dgm:param type="lnSpAfChP" val="20"/>
+            </dgm:alg>
+            <dgm:shape xmlns:r="http://schemas.openxmlformats.org/officeDocument/2006/relationships" type="rect" r:blip="">
+              <dgm:adjLst/>
+            </dgm:shape>
+            <dgm:presOf axis="des" ptType="node"/>
+            <dgm:constrLst>
+              <dgm:constr type="tMarg" refType="primFontSz" fact="0.1"/>
+              <dgm:constr type="bMarg" refType="primFontSz" fact="0.1"/>
+              <dgm:constr type="lMarg" refType="w" fact="0.09"/>
+            </dgm:constrLst>
+            <dgm:ruleLst>
+              <dgm:rule type="h" val="INF" fact="NaN" max="NaN"/>
+            </dgm:ruleLst>
+          </dgm:layoutNode>
+        </dgm:if>
+        <dgm:else name="Name3">
+          <dgm:choose name="Name4">
+            <dgm:if name="Name5" axis="par ch" ptType="doc node" func="cnt" op="gte" val="2">
+              <dgm:forEach name="Name6" axis="followSib" ptType="sibTrans" cnt="1">
+                <dgm:layoutNode name="spacer">
+                  <dgm:alg type="sp"/>
+                  <dgm:shape xmlns:r="http://schemas.openxmlformats.org/officeDocument/2006/relationships" r:blip="">
+                    <dgm:adjLst/>
+                  </dgm:shape>
+                  <dgm:presOf/>
+                  <dgm:constrLst/>
+                  <dgm:ruleLst/>
+                </dgm:layoutNode>
+              </dgm:forEach>
+            </dgm:if>
+            <dgm:else name="Name7"/>
+          </dgm:choose>
+        </dgm:else>
+      </dgm:choose>
+    </dgm:forEach>
+  </dgm:layoutNode>
+</dgm:layoutDef>
+</file>
+
+<file path=ppt/diagrams/quickStyle1.xml><?xml version="1.0" encoding="utf-8"?>
+<dgm:styleDef xmlns:dgm="http://schemas.openxmlformats.org/drawingml/2006/diagram" xmlns:a="http://schemas.openxmlformats.org/drawingml/2006/main" uniqueId="urn:microsoft.com/office/officeart/2005/8/quickstyle/simple1">
+  <dgm:title val=""/>
+  <dgm:desc val=""/>
+  <dgm:catLst>
+    <dgm:cat type="simple" pri="10100"/>
+  </dgm:catLst>
+  <dgm:scene3d>
+    <a:camera prst="orthographicFront"/>
+    <a:lightRig rig="threePt" dir="t"/>
+  </dgm:scene3d>
+  <dgm:styleLbl name="node0">
+    <dgm:scene3d>
+      <a:camera prst="orthographicFront"/>
+      <a:lightRig rig="threePt" dir="t"/>
+    </dgm:scene3d>
+    <dgm:sp3d/>
+    <dgm:txPr/>
+    <dgm:style>
+      <a:lnRef idx="2">
+        <a:scrgbClr r="0" g="0" b="0"/>
+      </a:lnRef>
+      <a:fillRef idx="1">
+        <a:scrgbClr r="0" g="0" b="0"/>
+      </a:fillRef>
+      <a:effectRef idx="0">
+        <a:scrgbClr r="0" g="0" b="0"/>
+      </a:effectRef>
+      <a:fontRef idx="minor">
+        <a:schemeClr val="lt1"/>
+      </a:fontRef>
+    </dgm:style>
+  </dgm:styleLbl>
+  <dgm:styleLbl name="lnNode1">
+    <dgm:scene3d>
+      <a:camera prst="orthographicFront"/>
+      <a:lightRig rig="threePt" dir="t"/>
+    </dgm:scene3d>
+    <dgm:sp3d/>
+    <dgm:txPr/>
+    <dgm:style>
+      <a:lnRef idx="2">
+        <a:scrgbClr r="0" g="0" b="0"/>
+      </a:lnRef>
+      <a:fillRef idx="1">
+        <a:scrgbClr r="0" g="0" b="0"/>
+      </a:fillRef>
+      <a:effectRef idx="0">
+        <a:scrgbClr r="0" g="0" b="0"/>
+      </a:effectRef>
+      <a:fontRef idx="minor">
+        <a:schemeClr val="lt1"/>
+      </a:fontRef>
+    </dgm:style>
+  </dgm:styleLbl>
+  <dgm:styleLbl name="vennNode1">
+    <dgm:scene3d>
+      <a:camera prst="orthographicFront"/>
+      <a:lightRig rig="threePt" dir="t"/>
+    </dgm:scene3d>
+    <dgm:sp3d/>
+    <dgm:txPr/>
+    <dgm:style>
+      <a:lnRef idx="2">
+        <a:scrgbClr r="0" g="0" b="0"/>
+      </a:lnRef>
+      <a:fillRef idx="1">
+        <a:scrgbClr r="0" g="0" b="0"/>
+      </a:fillRef>
+      <a:effectRef idx="0">
+        <a:scrgbClr r="0" g="0" b="0"/>
+      </a:effectRef>
+      <a:fontRef idx="minor">
+        <a:schemeClr val="tx1"/>
+      </a:fontRef>
+    </dgm:style>
+  </dgm:styleLbl>
+  <dgm:styleLbl name="alignNode1">
+    <dgm:scene3d>
+      <a:camera prst="orthographicFront"/>
+      <a:lightRig rig="threePt" dir="t"/>
+    </dgm:scene3d>
+    <dgm:sp3d/>
+    <dgm:txPr/>
+    <dgm:style>
+      <a:lnRef idx="2">
+        <a:scrgbClr r="0" g="0" b="0"/>
+      </a:lnRef>
+      <a:fillRef idx="1">
+        <a:scrgbClr r="0" g="0" b="0"/>
+      </a:fillRef>
+      <a:effectRef idx="0">
+        <a:scrgbClr r="0" g="0" b="0"/>
+      </a:effectRef>
+      <a:fontRef idx="minor">
+        <a:schemeClr val="lt1"/>
+      </a:fontRef>
+    </dgm:style>
+  </dgm:styleLbl>
+  <dgm:styleLbl name="node1">
+    <dgm:scene3d>
+      <a:camera prst="orthographicFront"/>
+      <a:lightRig rig="threePt" dir="t"/>
+    </dgm:scene3d>
+    <dgm:sp3d/>
+    <dgm:txPr/>
+    <dgm:style>
+      <a:lnRef idx="2">
+        <a:scrgbClr r="0" g="0" b="0"/>
+      </a:lnRef>
+      <a:fillRef idx="1">
+        <a:scrgbClr r="0" g="0" b="0"/>
+      </a:fillRef>
+      <a:effectRef idx="0">
+        <a:scrgbClr r="0" g="0" b="0"/>
+      </a:effectRef>
+      <a:fontRef idx="minor">
+        <a:schemeClr val="lt1"/>
+      </a:fontRef>
+    </dgm:style>
+  </dgm:styleLbl>
+  <dgm:styleLbl name="node2">
+    <dgm:scene3d>
+      <a:camera prst="orthographicFront"/>
+      <a:lightRig rig="threePt" dir="t"/>
+    </dgm:scene3d>
+    <dgm:sp3d/>
+    <dgm:txPr/>
+    <dgm:style>
+      <a:lnRef idx="2">
+        <a:scrgbClr r="0" g="0" b="0"/>
+      </a:lnRef>
+      <a:fillRef idx="1">
+        <a:scrgbClr r="0" g="0" b="0"/>
+      </a:fillRef>
+      <a:effectRef idx="0">
+        <a:scrgbClr r="0" g="0" b="0"/>
+      </a:effectRef>
+      <a:fontRef idx="minor">
+        <a:schemeClr val="lt1"/>
+      </a:fontRef>
+    </dgm:style>
+  </dgm:styleLbl>
+  <dgm:styleLbl name="node3">
+    <dgm:scene3d>
+      <a:camera prst="orthographicFront"/>
+      <a:lightRig rig="threePt" dir="t"/>
+    </dgm:scene3d>
+    <dgm:sp3d/>
+    <dgm:txPr/>
+    <dgm:style>
+      <a:lnRef idx="2">
+        <a:scrgbClr r="0" g="0" b="0"/>
+      </a:lnRef>
+      <a:fillRef idx="1">
+        <a:scrgbClr r="0" g="0" b="0"/>
+      </a:fillRef>
+      <a:effectRef idx="0">
+        <a:scrgbClr r="0" g="0" b="0"/>
+      </a:effectRef>
+      <a:fontRef idx="minor">
+        <a:schemeClr val="lt1"/>
+      </a:fontRef>
+    </dgm:style>
+  </dgm:styleLbl>
+  <dgm:styleLbl name="node4">
+    <dgm:scene3d>
+      <a:camera prst="orthographicFront"/>
+      <a:lightRig rig="threePt" dir="t"/>
+    </dgm:scene3d>
+    <dgm:sp3d/>
+    <dgm:txPr/>
+    <dgm:style>
+      <a:lnRef idx="2">
+        <a:scrgbClr r="0" g="0" b="0"/>
+      </a:lnRef>
+      <a:fillRef idx="1">
+        <a:scrgbClr r="0" g="0" b="0"/>
+      </a:fillRef>
+      <a:effectRef idx="0">
+        <a:scrgbClr r="0" g="0" b="0"/>
+      </a:effectRef>
+      <a:fontRef idx="minor">
+        <a:schemeClr val="lt1"/>
+      </a:fontRef>
+    </dgm:style>
+  </dgm:styleLbl>
+  <dgm:styleLbl name="fgImgPlace1">
+    <dgm:scene3d>
+      <a:camera prst="orthographicFront"/>
+      <a:lightRig rig="threePt" dir="t"/>
+    </dgm:scene3d>
+    <dgm:sp3d/>
+    <dgm:txPr/>
+    <dgm:style>
+      <a:lnRef idx="2">
+        <a:scrgbClr r="0" g="0" b="0"/>
+      </a:lnRef>
+      <a:fillRef idx="1">
+        <a:scrgbClr r="0" g="0" b="0"/>
+      </a:fillRef>
+      <a:effectRef idx="0">
+        <a:scrgbClr r="0" g="0" b="0"/>
+      </a:effectRef>
+      <a:fontRef idx="minor"/>
+    </dgm:style>
+  </dgm:styleLbl>
+  <dgm:styleLbl name="alignImgPlace1">
+    <dgm:scene3d>
+      <a:camera prst="orthographicFront"/>
+      <a:lightRig rig="threePt" dir="t"/>
+    </dgm:scene3d>
+    <dgm:sp3d/>
+    <dgm:txPr/>
+    <dgm:style>
+      <a:lnRef idx="2">
+        <a:scrgbClr r="0" g="0" b="0"/>
+      </a:lnRef>
+      <a:fillRef idx="1">
+        <a:scrgbClr r="0" g="0" b="0"/>
+      </a:fillRef>
+      <a:effectRef idx="0">
+        <a:scrgbClr r="0" g="0" b="0"/>
+      </a:effectRef>
+      <a:fontRef idx="minor"/>
+    </dgm:style>
+  </dgm:styleLbl>
+  <dgm:styleLbl name="bgImgPlace1">
+    <dgm:scene3d>
+      <a:camera prst="orthographicFront"/>
+      <a:lightRig rig="threePt" dir="t"/>
+    </dgm:scene3d>
+    <dgm:sp3d/>
+    <dgm:txPr/>
+    <dgm:style>
+      <a:lnRef idx="2">
+        <a:scrgbClr r="0" g="0" b="0"/>
+      </a:lnRef>
+      <a:fillRef idx="1">
+        <a:scrgbClr r="0" g="0" b="0"/>
+      </a:fillRef>
+      <a:effectRef idx="0">
+        <a:scrgbClr r="0" g="0" b="0"/>
+      </a:effectRef>
+      <a:fontRef idx="minor"/>
+    </dgm:style>
+  </dgm:styleLbl>
+  <dgm:styleLbl name="sibTrans2D1">
+    <dgm:scene3d>
+      <a:camera prst="orthographicFront"/>
+      <a:lightRig rig="threePt" dir="t"/>
+    </dgm:scene3d>
+    <dgm:sp3d/>
+    <dgm:txPr/>
+    <dgm:style>
+      <a:lnRef idx="0">
+        <a:scrgbClr r="0" g="0" b="0"/>
+      </a:lnRef>
+      <a:fillRef idx="1">
+        <a:scrgbClr r="0" g="0" b="0"/>
+      </a:fillRef>
+      <a:effectRef idx="0">
+        <a:scrgbClr r="0" g="0" b="0"/>
+      </a:effectRef>
+      <a:fontRef idx="minor">
+        <a:schemeClr val="lt1"/>
+      </a:fontRef>
+    </dgm:style>
+  </dgm:styleLbl>
+  <dgm:styleLbl name="fgSibTrans2D1">
+    <dgm:scene3d>
+      <a:camera prst="orthographicFront"/>
+      <a:lightRig rig="threePt" dir="t"/>
+    </dgm:scene3d>
+    <dgm:sp3d/>
+    <dgm:txPr/>
+    <dgm:style>
+      <a:lnRef idx="0">
+        <a:scrgbClr r="0" g="0" b="0"/>
+      </a:lnRef>
+      <a:fillRef idx="1">
+        <a:scrgbClr r="0" g="0" b="0"/>
+      </a:fillRef>
+      <a:effectRef idx="0">
+        <a:scrgbClr r="0" g="0" b="0"/>
+      </a:effectRef>
+      <a:fontRef idx="minor">
+        <a:schemeClr val="lt1"/>
+      </a:fontRef>
+    </dgm:style>
+  </dgm:styleLbl>
+  <dgm:styleLbl name="bgSibTrans2D1">
+    <dgm:scene3d>
+      <a:camera prst="orthographicFront"/>
+      <a:lightRig rig="threePt" dir="t"/>
+    </dgm:scene3d>
+    <dgm:sp3d/>
+    <dgm:txPr/>
+    <dgm:style>
+      <a:lnRef idx="0">
+        <a:scrgbClr r="0" g="0" b="0"/>
+      </a:lnRef>
+      <a:fillRef idx="1">
+        <a:scrgbClr r="0" g="0" b="0"/>
+      </a:fillRef>
+      <a:effectRef idx="0">
+        <a:scrgbClr r="0" g="0" b="0"/>
+      </a:effectRef>
+      <a:fontRef idx="minor">
+        <a:schemeClr val="lt1"/>
+      </a:fontRef>
+    </dgm:style>
+  </dgm:styleLbl>
+  <dgm:styleLbl name="sibTrans1D1">
+    <dgm:scene3d>
+      <a:camera prst="orthographicFront"/>
+      <a:lightRig rig="threePt" dir="t"/>
+    </dgm:scene3d>
+    <dgm:sp3d/>
+    <dgm:txPr/>
+    <dgm:style>
+      <a:lnRef idx="1">
+        <a:scrgbClr r="0" g="0" b="0"/>
+      </a:lnRef>
+      <a:fillRef idx="0">
+        <a:scrgbClr r="0" g="0" b="0"/>
+      </a:fillRef>
+      <a:effectRef idx="0">
+        <a:scrgbClr r="0" g="0" b="0"/>
+      </a:effectRef>
+      <a:fontRef idx="minor"/>
+    </dgm:style>
+  </dgm:styleLbl>
+  <dgm:styleLbl name="callout">
+    <dgm:scene3d>
+      <a:camera prst="orthographicFront"/>
+      <a:lightRig rig="threePt" dir="t"/>
+    </dgm:scene3d>
+    <dgm:sp3d/>
+    <dgm:txPr/>
+    <dgm:style>
+      <a:lnRef idx="2">
+        <a:scrgbClr r="0" g="0" b="0"/>
+      </a:lnRef>
+      <a:fillRef idx="1">
+        <a:scrgbClr r="0" g="0" b="0"/>
+      </a:fillRef>
+      <a:effectRef idx="0">
+        <a:scrgbClr r="0" g="0" b="0"/>
+      </a:effectRef>
+      <a:fontRef idx="minor"/>
+    </dgm:style>
+  </dgm:styleLbl>
+  <dgm:styleLbl name="asst0">
+    <dgm:scene3d>
+      <a:camera prst="orthographicFront"/>
+      <a:lightRig rig="threePt" dir="t"/>
+    </dgm:scene3d>
+    <dgm:sp3d/>
+    <dgm:txPr/>
+    <dgm:style>
+      <a:lnRef idx="2">
+        <a:scrgbClr r="0" g="0" b="0"/>
+      </a:lnRef>
+      <a:fillRef idx="1">
+        <a:scrgbClr r="0" g="0" b="0"/>
+      </a:fillRef>
+      <a:effectRef idx="0">
+        <a:scrgbClr r="0" g="0" b="0"/>
+      </a:effectRef>
+      <a:fontRef idx="minor">
+        <a:schemeClr val="lt1"/>
+      </a:fontRef>
+    </dgm:style>
+  </dgm:styleLbl>
+  <dgm:styleLbl name="asst1">
+    <dgm:scene3d>
+      <a:camera prst="orthographicFront"/>
+      <a:lightRig rig="threePt" dir="t"/>
+    </dgm:scene3d>
+    <dgm:sp3d/>
+    <dgm:txPr/>
+    <dgm:style>
+      <a:lnRef idx="2">
+        <a:scrgbClr r="0" g="0" b="0"/>
+      </a:lnRef>
+      <a:fillRef idx="1">
+        <a:scrgbClr r="0" g="0" b="0"/>
+      </a:fillRef>
+      <a:effectRef idx="0">
+        <a:scrgbClr r="0" g="0" b="0"/>
+      </a:effectRef>
+      <a:fontRef idx="minor">
+        <a:schemeClr val="lt1"/>
+      </a:fontRef>
+    </dgm:style>
+  </dgm:styleLbl>
+  <dgm:styleLbl name="asst2">
+    <dgm:scene3d>
+      <a:camera prst="orthographicFront"/>
+      <a:lightRig rig="threePt" dir="t"/>
+    </dgm:scene3d>
+    <dgm:sp3d/>
+    <dgm:txPr/>
+    <dgm:style>
+      <a:lnRef idx="2">
+        <a:scrgbClr r="0" g="0" b="0"/>
+      </a:lnRef>
+      <a:fillRef idx="1">
+        <a:scrgbClr r="0" g="0" b="0"/>
+      </a:fillRef>
+      <a:effectRef idx="0">
+        <a:scrgbClr r="0" g="0" b="0"/>
+      </a:effectRef>
+      <a:fontRef idx="minor">
+        <a:schemeClr val="lt1"/>
+      </a:fontRef>
+    </dgm:style>
+  </dgm:styleLbl>
+  <dgm:styleLbl name="asst3">
+    <dgm:scene3d>
+      <a:camera prst="orthographicFront"/>
+      <a:lightRig rig="threePt" dir="t"/>
+    </dgm:scene3d>
+    <dgm:sp3d/>
+    <dgm:txPr/>
+    <dgm:style>
+      <a:lnRef idx="2">
+        <a:scrgbClr r="0" g="0" b="0"/>
+      </a:lnRef>
+      <a:fillRef idx="1">
+        <a:scrgbClr r="0" g="0" b="0"/>
+      </a:fillRef>
+      <a:effectRef idx="0">
+        <a:scrgbClr r="0" g="0" b="0"/>
+      </a:effectRef>
+      <a:fontRef idx="minor">
+        <a:schemeClr val="lt1"/>
+      </a:fontRef>
+    </dgm:style>
+  </dgm:styleLbl>
+  <dgm:styleLbl name="asst4">
+    <dgm:scene3d>
+      <a:camera prst="orthographicFront"/>
+      <a:lightRig rig="threePt" dir="t"/>
+    </dgm:scene3d>
+    <dgm:sp3d/>
+    <dgm:txPr/>
+    <dgm:style>
+      <a:lnRef idx="2">
+        <a:scrgbClr r="0" g="0" b="0"/>
+      </a:lnRef>
+      <a:fillRef idx="1">
+        <a:scrgbClr r="0" g="0" b="0"/>
+      </a:fillRef>
+      <a:effectRef idx="0">
+        <a:scrgbClr r="0" g="0" b="0"/>
+      </a:effectRef>
+      <a:fontRef idx="minor">
+        <a:schemeClr val="lt1"/>
+      </a:fontRef>
+    </dgm:style>
+  </dgm:styleLbl>
+  <dgm:styleLbl name="parChTrans2D1">
+    <dgm:scene3d>
+      <a:camera prst="orthographicFront"/>
+      <a:lightRig rig="threePt" dir="t"/>
+    </dgm:scene3d>
+    <dgm:sp3d/>
+    <dgm:txPr/>
+    <dgm:style>
+      <a:lnRef idx="2">
+        <a:scrgbClr r="0" g="0" b="0"/>
+      </a:lnRef>
+      <a:fillRef idx="1">
+        <a:scrgbClr r="0" g="0" b="0"/>
+      </a:fillRef>
+      <a:effectRef idx="0">
+        <a:scrgbClr r="0" g="0" b="0"/>
+      </a:effectRef>
+      <a:fontRef idx="minor">
+        <a:schemeClr val="lt1"/>
+      </a:fontRef>
+    </dgm:style>
+  </dgm:styleLbl>
+  <dgm:styleLbl name="parChTrans2D2">
+    <dgm:scene3d>
+      <a:camera prst="orthographicFront"/>
+      <a:lightRig rig="threePt" dir="t"/>
+    </dgm:scene3d>
+    <dgm:sp3d/>
+    <dgm:txPr/>
+    <dgm:style>
+      <a:lnRef idx="2">
+        <a:scrgbClr r="0" g="0" b="0"/>
+      </a:lnRef>
+      <a:fillRef idx="1">
+        <a:scrgbClr r="0" g="0" b="0"/>
+      </a:fillRef>
+      <a:effectRef idx="0">
+        <a:scrgbClr r="0" g="0" b="0"/>
+      </a:effectRef>
+      <a:fontRef idx="minor">
+        <a:schemeClr val="lt1"/>
+      </a:fontRef>
+    </dgm:style>
+  </dgm:styleLbl>
+  <dgm:styleLbl name="parChTrans2D3">
+    <dgm:scene3d>
+      <a:camera prst="orthographicFront"/>
+      <a:lightRig rig="threePt" dir="t"/>
+    </dgm:scene3d>
+    <dgm:sp3d/>
+    <dgm:txPr/>
+    <dgm:style>
+      <a:lnRef idx="2">
+        <a:scrgbClr r="0" g="0" b="0"/>
+      </a:lnRef>
+      <a:fillRef idx="1">
+        <a:scrgbClr r="0" g="0" b="0"/>
+      </a:fillRef>
+      <a:effectRef idx="0">
+        <a:scrgbClr r="0" g="0" b="0"/>
+      </a:effectRef>
+      <a:fontRef idx="minor">
+        <a:schemeClr val="lt1"/>
+      </a:fontRef>
+    </dgm:style>
+  </dgm:styleLbl>
+  <dgm:styleLbl name="parChTrans2D4">
+    <dgm:scene3d>
+      <a:camera prst="orthographicFront"/>
+      <a:lightRig rig="threePt" dir="t"/>
+    </dgm:scene3d>
+    <dgm:sp3d/>
+    <dgm:txPr/>
+    <dgm:style>
+      <a:lnRef idx="2">
+        <a:scrgbClr r="0" g="0" b="0"/>
+      </a:lnRef>
+      <a:fillRef idx="1">
+        <a:scrgbClr r="0" g="0" b="0"/>
+      </a:fillRef>
+      <a:effectRef idx="0">
+        <a:scrgbClr r="0" g="0" b="0"/>
+      </a:effectRef>
+      <a:fontRef idx="minor">
+        <a:schemeClr val="lt1"/>
+      </a:fontRef>
+    </dgm:style>
+  </dgm:styleLbl>
+  <dgm:styleLbl name="parChTrans1D1">
+    <dgm:scene3d>
+      <a:camera prst="orthographicFront"/>
+      <a:lightRig rig="threePt" dir="t"/>
+    </dgm:scene3d>
+    <dgm:sp3d/>
+    <dgm:txPr/>
+    <dgm:style>
+      <a:lnRef idx="2">
+        <a:scrgbClr r="0" g="0" b="0"/>
+      </a:lnRef>
+      <a:fillRef idx="0">
+        <a:scrgbClr r="0" g="0" b="0"/>
+      </a:fillRef>
+      <a:effectRef idx="0">
+        <a:scrgbClr r="0" g="0" b="0"/>
+      </a:effectRef>
+      <a:fontRef idx="minor"/>
+    </dgm:style>
+  </dgm:styleLbl>
+  <dgm:styleLbl name="parChTrans1D2">
+    <dgm:scene3d>
+      <a:camera prst="orthographicFront"/>
+      <a:lightRig rig="threePt" dir="t"/>
+    </dgm:scene3d>
+    <dgm:sp3d/>
+    <dgm:txPr/>
+    <dgm:style>
+      <a:lnRef idx="2">
+        <a:scrgbClr r="0" g="0" b="0"/>
+      </a:lnRef>
+      <a:fillRef idx="0">
+        <a:scrgbClr r="0" g="0" b="0"/>
+      </a:fillRef>
+      <a:effectRef idx="0">
+        <a:scrgbClr r="0" g="0" b="0"/>
+      </a:effectRef>
+      <a:fontRef idx="minor"/>
+    </dgm:style>
+  </dgm:styleLbl>
+  <dgm:styleLbl name="parChTrans1D3">
+    <dgm:scene3d>
+      <a:camera prst="orthographicFront"/>
+      <a:lightRig rig="threePt" dir="t"/>
+    </dgm:scene3d>
+    <dgm:sp3d/>
+    <dgm:txPr/>
+    <dgm:style>
+      <a:lnRef idx="2">
+        <a:scrgbClr r="0" g="0" b="0"/>
+      </a:lnRef>
+      <a:fillRef idx="0">
+        <a:scrgbClr r="0" g="0" b="0"/>
+      </a:fillRef>
+      <a:effectRef idx="0">
+        <a:scrgbClr r="0" g="0" b="0"/>
+      </a:effectRef>
+      <a:fontRef idx="minor"/>
+    </dgm:style>
+  </dgm:styleLbl>
+  <dgm:styleLbl name="parChTrans1D4">
+    <dgm:scene3d>
+      <a:camera prst="orthographicFront"/>
+      <a:lightRig rig="threePt" dir="t"/>
+    </dgm:scene3d>
+    <dgm:sp3d/>
+    <dgm:txPr/>
+    <dgm:style>
+      <a:lnRef idx="2">
+        <a:scrgbClr r="0" g="0" b="0"/>
+      </a:lnRef>
+      <a:fillRef idx="0">
+        <a:scrgbClr r="0" g="0" b="0"/>
+      </a:fillRef>
+      <a:effectRef idx="0">
+        <a:scrgbClr r="0" g="0" b="0"/>
+      </a:effectRef>
+      <a:fontRef idx="minor"/>
+    </dgm:style>
+  </dgm:styleLbl>
+  <dgm:styleLbl name="fgAcc1">
+    <dgm:scene3d>
+      <a:camera prst="orthographicFront"/>
+      <a:lightRig rig="threePt" dir="t"/>
+    </dgm:scene3d>
+    <dgm:sp3d/>
+    <dgm:txPr/>
+    <dgm:style>
+      <a:lnRef idx="2">
+        <a:scrgbClr r="0" g="0" b="0"/>
+      </a:lnRef>
+      <a:fillRef idx="1">
+        <a:scrgbClr r="0" g="0" b="0"/>
+      </a:fillRef>
+      <a:effectRef idx="0">
+        <a:scrgbClr r="0" g="0" b="0"/>
+      </a:effectRef>
+      <a:fontRef idx="minor"/>
+    </dgm:style>
+  </dgm:styleLbl>
+  <dgm:styleLbl name="conFgAcc1">
+    <dgm:scene3d>
+      <a:camera prst="orthographicFront"/>
+      <a:lightRig rig="threePt" dir="t"/>
+    </dgm:scene3d>
+    <dgm:sp3d/>
+    <dgm:txPr/>
+    <dgm:style>
+      <a:lnRef idx="2">
+        <a:scrgbClr r="0" g="0" b="0"/>
+      </a:lnRef>
+      <a:fillRef idx="1">
+        <a:scrgbClr r="0" g="0" b="0"/>
+      </a:fillRef>
+      <a:effectRef idx="0">
+        <a:scrgbClr r="0" g="0" b="0"/>
+      </a:effectRef>
+      <a:fontRef idx="minor"/>
+    </dgm:style>
+  </dgm:styleLbl>
+  <dgm:styleLbl name="alignAcc1">
+    <dgm:scene3d>
+      <a:camera prst="orthographicFront"/>
+      <a:lightRig rig="threePt" dir="t"/>
+    </dgm:scene3d>
+    <dgm:sp3d/>
+    <dgm:txPr/>
+    <dgm:style>
+      <a:lnRef idx="2">
+        <a:scrgbClr r="0" g="0" b="0"/>
+      </a:lnRef>
+      <a:fillRef idx="1">
+        <a:scrgbClr r="0" g="0" b="0"/>
+      </a:fillRef>
+      <a:effectRef idx="0">
+        <a:scrgbClr r="0" g="0" b="0"/>
+      </a:effectRef>
+      <a:fontRef idx="minor"/>
+    </dgm:style>
+  </dgm:styleLbl>
+  <dgm:styleLbl name="trAlignAcc1">
+    <dgm:scene3d>
+      <a:camera prst="orthographicFront"/>
+      <a:lightRig rig="threePt" dir="t"/>
+    </dgm:scene3d>
+    <dgm:sp3d/>
+    <dgm:txPr/>
+    <dgm:style>
+      <a:lnRef idx="1">
+        <a:scrgbClr r="0" g="0" b="0"/>
+      </a:lnRef>
+      <a:fillRef idx="1">
+        <a:scrgbClr r="0" g="0" b="0"/>
+      </a:fillRef>
+      <a:effectRef idx="0">
+        <a:scrgbClr r="0" g="0" b="0"/>
+      </a:effectRef>
+      <a:fontRef idx="minor"/>
+    </dgm:style>
+  </dgm:styleLbl>
+  <dgm:styleLbl name="bgAcc1">
+    <dgm:scene3d>
+      <a:camera prst="orthographicFront"/>
+      <a:lightRig rig="threePt" dir="t"/>
+    </dgm:scene3d>
+    <dgm:sp3d/>
+    <dgm:txPr/>
+    <dgm:style>
+      <a:lnRef idx="2">
+        <a:scrgbClr r="0" g="0" b="0"/>
+      </a:lnRef>
+      <a:fillRef idx="1">
+        <a:scrgbClr r="0" g="0" b="0"/>
+      </a:fillRef>
+      <a:effectRef idx="0">
+        <a:scrgbClr r="0" g="0" b="0"/>
+      </a:effectRef>
+      <a:fontRef idx="minor"/>
+    </dgm:style>
+  </dgm:styleLbl>
+  <dgm:styleLbl name="solidFgAcc1">
+    <dgm:scene3d>
+      <a:camera prst="orthographicFront"/>
+      <a:lightRig rig="threePt" dir="t"/>
+    </dgm:scene3d>
+    <dgm:sp3d/>
+    <dgm:txPr/>
+    <dgm:style>
+      <a:lnRef idx="2">
+        <a:scrgbClr r="0" g="0" b="0"/>
+      </a:lnRef>
+      <a:fillRef idx="1">
+        <a:scrgbClr r="0" g="0" b="0"/>
+      </a:fillRef>
+      <a:effectRef idx="0">
+        <a:scrgbClr r="0" g="0" b="0"/>
+      </a:effectRef>
+      <a:fontRef idx="minor"/>
+    </dgm:style>
+  </dgm:styleLbl>
+  <dgm:styleLbl name="solidAlignAcc1">
+    <dgm:scene3d>
+      <a:camera prst="orthographicFront"/>
+      <a:lightRig rig="threePt" dir="t"/>
+    </dgm:scene3d>
+    <dgm:sp3d/>
+    <dgm:txPr/>
+    <dgm:style>
+      <a:lnRef idx="2">
+        <a:scrgbClr r="0" g="0" b="0"/>
+      </a:lnRef>
+      <a:fillRef idx="1">
+        <a:scrgbClr r="0" g="0" b="0"/>
+      </a:fillRef>
+      <a:effectRef idx="0">
+        <a:scrgbClr r="0" g="0" b="0"/>
+      </a:effectRef>
+      <a:fontRef idx="minor"/>
+    </dgm:style>
+  </dgm:styleLbl>
+  <dgm:styleLbl name="solidBgAcc1">
+    <dgm:scene3d>
+      <a:camera prst="orthographicFront"/>
+      <a:lightRig rig="threePt" dir="t"/>
+    </dgm:scene3d>
+    <dgm:sp3d/>
+    <dgm:txPr/>
+    <dgm:style>
+      <a:lnRef idx="2">
+        <a:scrgbClr r="0" g="0" b="0"/>
+      </a:lnRef>
+      <a:fillRef idx="1">
+        <a:scrgbClr r="0" g="0" b="0"/>
+      </a:fillRef>
+      <a:effectRef idx="0">
+        <a:scrgbClr r="0" g="0" b="0"/>
+      </a:effectRef>
+      <a:fontRef idx="minor"/>
+    </dgm:style>
+  </dgm:styleLbl>
+  <dgm:styleLbl name="fgAccFollowNode1">
+    <dgm:scene3d>
+      <a:camera prst="orthographicFront"/>
+      <a:lightRig rig="threePt" dir="t"/>
+    </dgm:scene3d>
+    <dgm:sp3d/>
+    <dgm:txPr/>
+    <dgm:style>
+      <a:lnRef idx="2">
+        <a:scrgbClr r="0" g="0" b="0"/>
+      </a:lnRef>
+      <a:fillRef idx="1">
+        <a:scrgbClr r="0" g="0" b="0"/>
+      </a:fillRef>
+      <a:effectRef idx="0">
+        <a:scrgbClr r="0" g="0" b="0"/>
+      </a:effectRef>
+      <a:fontRef idx="minor"/>
+    </dgm:style>
+  </dgm:styleLbl>
+  <dgm:styleLbl name="alignAccFollowNode1">
+    <dgm:scene3d>
+      <a:camera prst="orthographicFront"/>
+      <a:lightRig rig="threePt" dir="t"/>
+    </dgm:scene3d>
+    <dgm:sp3d/>
+    <dgm:txPr/>
+    <dgm:style>
+      <a:lnRef idx="2">
+        <a:scrgbClr r="0" g="0" b="0"/>
+      </a:lnRef>
+      <a:fillRef idx="1">
+        <a:scrgbClr r="0" g="0" b="0"/>
+      </a:fillRef>
+      <a:effectRef idx="0">
+        <a:scrgbClr r="0" g="0" b="0"/>
+      </a:effectRef>
+      <a:fontRef idx="minor"/>
+    </dgm:style>
+  </dgm:styleLbl>
+  <dgm:styleLbl name="bgAccFollowNode1">
+    <dgm:scene3d>
+      <a:camera prst="orthographicFront"/>
+      <a:lightRig rig="threePt" dir="t"/>
+    </dgm:scene3d>
+    <dgm:sp3d/>
+    <dgm:txPr/>
+    <dgm:style>
+      <a:lnRef idx="2">
+        <a:scrgbClr r="0" g="0" b="0"/>
+      </a:lnRef>
+      <a:fillRef idx="1">
+        <a:scrgbClr r="0" g="0" b="0"/>
+      </a:fillRef>
+      <a:effectRef idx="0">
+        <a:scrgbClr r="0" g="0" b="0"/>
+      </a:effectRef>
+      <a:fontRef idx="minor"/>
+    </dgm:style>
+  </dgm:styleLbl>
+  <dgm:styleLbl name="fgAcc0">
+    <dgm:scene3d>
+      <a:camera prst="orthographicFront"/>
+      <a:lightRig rig="threePt" dir="t"/>
+    </dgm:scene3d>
+    <dgm:sp3d/>
+    <dgm:txPr/>
+    <dgm:style>
+      <a:lnRef idx="2">
+        <a:scrgbClr r="0" g="0" b="0"/>
+      </a:lnRef>
+      <a:fillRef idx="1">
+        <a:scrgbClr r="0" g="0" b="0"/>
+      </a:fillRef>
+      <a:effectRef idx="0">
+        <a:scrgbClr r="0" g="0" b="0"/>
+      </a:effectRef>
+      <a:fontRef idx="minor"/>
+    </dgm:style>
+  </dgm:styleLbl>
+  <dgm:styleLbl name="fgAcc2">
+    <dgm:scene3d>
+      <a:camera prst="orthographicFront"/>
+      <a:lightRig rig="threePt" dir="t"/>
+    </dgm:scene3d>
+    <dgm:sp3d/>
+    <dgm:txPr/>
+    <dgm:style>
+      <a:lnRef idx="2">
+        <a:scrgbClr r="0" g="0" b="0"/>
+      </a:lnRef>
+      <a:fillRef idx="1">
+        <a:scrgbClr r="0" g="0" b="0"/>
+      </a:fillRef>
+      <a:effectRef idx="0">
+        <a:scrgbClr r="0" g="0" b="0"/>
+      </a:effectRef>
+      <a:fontRef idx="minor"/>
+    </dgm:style>
+  </dgm:styleLbl>
+  <dgm:styleLbl name="fgAcc3">
+    <dgm:scene3d>
+      <a:camera prst="orthographicFront"/>
+      <a:lightRig rig="threePt" dir="t"/>
+    </dgm:scene3d>
+    <dgm:sp3d/>
+    <dgm:txPr/>
+    <dgm:style>
+      <a:lnRef idx="2">
+        <a:scrgbClr r="0" g="0" b="0"/>
+      </a:lnRef>
+      <a:fillRef idx="1">
+        <a:scrgbClr r="0" g="0" b="0"/>
+      </a:fillRef>
+      <a:effectRef idx="0">
+        <a:scrgbClr r="0" g="0" b="0"/>
+      </a:effectRef>
+      <a:fontRef idx="minor"/>
+    </dgm:style>
+  </dgm:styleLbl>
+  <dgm:styleLbl name="fgAcc4">
+    <dgm:scene3d>
+      <a:camera prst="orthographicFront"/>
+      <a:lightRig rig="threePt" dir="t"/>
+    </dgm:scene3d>
+    <dgm:sp3d/>
+    <dgm:txPr/>
+    <dgm:style>
+      <a:lnRef idx="2">
+        <a:scrgbClr r="0" g="0" b="0"/>
+      </a:lnRef>
+      <a:fillRef idx="1">
+        <a:scrgbClr r="0" g="0" b="0"/>
+      </a:fillRef>
+      <a:effectRef idx="0">
+        <a:scrgbClr r="0" g="0" b="0"/>
+      </a:effectRef>
+      <a:fontRef idx="minor"/>
+    </dgm:style>
+  </dgm:styleLbl>
+  <dgm:styleLbl name="bgShp">
+    <dgm:scene3d>
+      <a:camera prst="orthographicFront"/>
+      <a:lightRig rig="threePt" dir="t"/>
+    </dgm:scene3d>
+    <dgm:sp3d/>
+    <dgm:txPr/>
+    <dgm:style>
+      <a:lnRef idx="0">
+        <a:scrgbClr r="0" g="0" b="0"/>
+      </a:lnRef>
+      <a:fillRef idx="1">
+        <a:scrgbClr r="0" g="0" b="0"/>
+      </a:fillRef>
+      <a:effectRef idx="0">
+        <a:scrgbClr r="0" g="0" b="0"/>
+      </a:effectRef>
+      <a:fontRef idx="minor"/>
+    </dgm:style>
+  </dgm:styleLbl>
+  <dgm:styleLbl name="dkBgShp">
+    <dgm:scene3d>
+      <a:camera prst="orthographicFront"/>
+      <a:lightRig rig="threePt" dir="t"/>
+    </dgm:scene3d>
+    <dgm:sp3d/>
+    <dgm:txPr/>
+    <dgm:style>
+      <a:lnRef idx="0">
+        <a:scrgbClr r="0" g="0" b="0"/>
+      </a:lnRef>
+      <a:fillRef idx="1">
+        <a:scrgbClr r="0" g="0" b="0"/>
+      </a:fillRef>
+      <a:effectRef idx="0">
+        <a:scrgbClr r="0" g="0" b="0"/>
+      </a:effectRef>
+      <a:fontRef idx="minor"/>
+    </dgm:style>
+  </dgm:styleLbl>
+  <dgm:styleLbl name="trBgShp">
+    <dgm:scene3d>
+      <a:camera prst="orthographicFront"/>
+      <a:lightRig rig="threePt" dir="t"/>
+    </dgm:scene3d>
+    <dgm:sp3d/>
+    <dgm:txPr/>
+    <dgm:style>
+      <a:lnRef idx="0">
+        <a:scrgbClr r="0" g="0" b="0"/>
+      </a:lnRef>
+      <a:fillRef idx="1">
+        <a:scrgbClr r="0" g="0" b="0"/>
+      </a:fillRef>
+      <a:effectRef idx="0">
+        <a:scrgbClr r="0" g="0" b="0"/>
+      </a:effectRef>
+      <a:fontRef idx="minor"/>
+    </dgm:style>
+  </dgm:styleLbl>
+  <dgm:styleLbl name="fgShp">
+    <dgm:scene3d>
+      <a:camera prst="orthographicFront"/>
+      <a:lightRig rig="threePt" dir="t"/>
+    </dgm:scene3d>
+    <dgm:sp3d/>
+    <dgm:txPr/>
+    <dgm:style>
+      <a:lnRef idx="2">
+        <a:scrgbClr r="0" g="0" b="0"/>
+      </a:lnRef>
+      <a:fillRef idx="1">
+        <a:scrgbClr r="0" g="0" b="0"/>
+      </a:fillRef>
+      <a:effectRef idx="0">
+        <a:scrgbClr r="0" g="0" b="0"/>
+      </a:effectRef>
+      <a:fontRef idx="minor"/>
+    </dgm:style>
+  </dgm:styleLbl>
+  <dgm:styleLbl name="revTx">
+    <dgm:scene3d>
+      <a:camera prst="orthographicFront"/>
+      <a:lightRig rig="threePt" dir="t"/>
+    </dgm:scene3d>
+    <dgm:sp3d/>
+    <dgm:txPr/>
+    <dgm:style>
+      <a:lnRef idx="0">
+        <a:scrgbClr r="0" g="0" b="0"/>
+      </a:lnRef>
+      <a:fillRef idx="0">
+        <a:scrgbClr r="0" g="0" b="0"/>
+      </a:fillRef>
+      <a:effectRef idx="0">
+        <a:scrgbClr r="0" g="0" b="0"/>
+      </a:effectRef>
+      <a:fontRef idx="minor"/>
+    </dgm:style>
+  </dgm:styleLbl>
+</dgm:styleDef>
 </file>
 
 <file path=ppt/slideLayouts/slideLayout1.xml><?xml version="1.0" encoding="utf-8"?>
@@ -266,7 +2694,7 @@
           <a:p>
             <a:fld id="{DD01D9C7-684E-4F2E-BD57-18C32F42D100}" type="datetimeFigureOut">
               <a:rPr lang="en-CA" smtClean="0"/>
-              <a:t>2021-10-22</a:t>
+              <a:t>2021-10-23</a:t>
             </a:fld>
             <a:endParaRPr lang="en-CA"/>
           </a:p>
@@ -466,7 +2894,7 @@
           <a:p>
             <a:fld id="{DD01D9C7-684E-4F2E-BD57-18C32F42D100}" type="datetimeFigureOut">
               <a:rPr lang="en-CA" smtClean="0"/>
-              <a:t>2021-10-22</a:t>
+              <a:t>2021-10-23</a:t>
             </a:fld>
             <a:endParaRPr lang="en-CA"/>
           </a:p>
@@ -676,7 +3104,7 @@
           <a:p>
             <a:fld id="{DD01D9C7-684E-4F2E-BD57-18C32F42D100}" type="datetimeFigureOut">
               <a:rPr lang="en-CA" smtClean="0"/>
-              <a:t>2021-10-22</a:t>
+              <a:t>2021-10-23</a:t>
             </a:fld>
             <a:endParaRPr lang="en-CA"/>
           </a:p>
@@ -876,7 +3304,7 @@
           <a:p>
             <a:fld id="{DD01D9C7-684E-4F2E-BD57-18C32F42D100}" type="datetimeFigureOut">
               <a:rPr lang="en-CA" smtClean="0"/>
-              <a:t>2021-10-22</a:t>
+              <a:t>2021-10-23</a:t>
             </a:fld>
             <a:endParaRPr lang="en-CA"/>
           </a:p>
@@ -1152,7 +3580,7 @@
           <a:p>
             <a:fld id="{DD01D9C7-684E-4F2E-BD57-18C32F42D100}" type="datetimeFigureOut">
               <a:rPr lang="en-CA" smtClean="0"/>
-              <a:t>2021-10-22</a:t>
+              <a:t>2021-10-23</a:t>
             </a:fld>
             <a:endParaRPr lang="en-CA"/>
           </a:p>
@@ -1420,7 +3848,7 @@
           <a:p>
             <a:fld id="{DD01D9C7-684E-4F2E-BD57-18C32F42D100}" type="datetimeFigureOut">
               <a:rPr lang="en-CA" smtClean="0"/>
-              <a:t>2021-10-22</a:t>
+              <a:t>2021-10-23</a:t>
             </a:fld>
             <a:endParaRPr lang="en-CA"/>
           </a:p>
@@ -1835,7 +4263,7 @@
           <a:p>
             <a:fld id="{DD01D9C7-684E-4F2E-BD57-18C32F42D100}" type="datetimeFigureOut">
               <a:rPr lang="en-CA" smtClean="0"/>
-              <a:t>2021-10-22</a:t>
+              <a:t>2021-10-23</a:t>
             </a:fld>
             <a:endParaRPr lang="en-CA"/>
           </a:p>
@@ -1977,7 +4405,7 @@
           <a:p>
             <a:fld id="{DD01D9C7-684E-4F2E-BD57-18C32F42D100}" type="datetimeFigureOut">
               <a:rPr lang="en-CA" smtClean="0"/>
-              <a:t>2021-10-22</a:t>
+              <a:t>2021-10-23</a:t>
             </a:fld>
             <a:endParaRPr lang="en-CA"/>
           </a:p>
@@ -2090,7 +4518,7 @@
           <a:p>
             <a:fld id="{DD01D9C7-684E-4F2E-BD57-18C32F42D100}" type="datetimeFigureOut">
               <a:rPr lang="en-CA" smtClean="0"/>
-              <a:t>2021-10-22</a:t>
+              <a:t>2021-10-23</a:t>
             </a:fld>
             <a:endParaRPr lang="en-CA"/>
           </a:p>
@@ -2403,7 +4831,7 @@
           <a:p>
             <a:fld id="{DD01D9C7-684E-4F2E-BD57-18C32F42D100}" type="datetimeFigureOut">
               <a:rPr lang="en-CA" smtClean="0"/>
-              <a:t>2021-10-22</a:t>
+              <a:t>2021-10-23</a:t>
             </a:fld>
             <a:endParaRPr lang="en-CA"/>
           </a:p>
@@ -2692,7 +5120,7 @@
           <a:p>
             <a:fld id="{DD01D9C7-684E-4F2E-BD57-18C32F42D100}" type="datetimeFigureOut">
               <a:rPr lang="en-CA" smtClean="0"/>
-              <a:t>2021-10-22</a:t>
+              <a:t>2021-10-23</a:t>
             </a:fld>
             <a:endParaRPr lang="en-CA"/>
           </a:p>
@@ -2935,7 +5363,7 @@
           <a:p>
             <a:fld id="{DD01D9C7-684E-4F2E-BD57-18C32F42D100}" type="datetimeFigureOut">
               <a:rPr lang="en-CA" smtClean="0"/>
-              <a:t>2021-10-22</a:t>
+              <a:t>2021-10-23</a:t>
             </a:fld>
             <a:endParaRPr lang="en-CA"/>
           </a:p>
@@ -3834,7 +6262,7 @@
       </p:grpSpPr>
       <p:sp useBgFill="1">
         <p:nvSpPr>
-          <p:cNvPr id="11" name="Rectangle 10">
+          <p:cNvPr id="18" name="Rectangle 17">
             <a:extLst>
               <a:ext uri="{FF2B5EF4-FFF2-40B4-BE49-F238E27FC236}">
                 <a16:creationId xmlns:a16="http://schemas.microsoft.com/office/drawing/2014/main" id="{2B97F24A-32CE-4C1C-A50D-3016B394DCFB}"/>
@@ -3936,7 +6364,7 @@
       </p:sp>
       <p:sp>
         <p:nvSpPr>
-          <p:cNvPr id="13" name="sketch line">
+          <p:cNvPr id="20" name="sketch line">
             <a:extLst>
               <a:ext uri="{FF2B5EF4-FFF2-40B4-BE49-F238E27FC236}">
                 <a16:creationId xmlns:a16="http://schemas.microsoft.com/office/drawing/2014/main" id="{6357EC4F-235E-4222-A36F-C7878ACE37F2}"/>
@@ -4235,33 +6663,27 @@
           </a:bodyPr>
           <a:lstStyle/>
           <a:p>
+            <a:pPr indent="-228600">
+              <a:buFont typeface="Arial" panose="020B0604020202020204" pitchFamily="34" charset="0"/>
+              <a:buChar char="•"/>
+            </a:pPr>
             <a:r>
-              <a:rPr lang="en-US" sz="2000" kern="1200" dirty="0">
-                <a:solidFill>
-                  <a:schemeClr val="tx1"/>
-                </a:solidFill>
-                <a:latin typeface="+mn-lt"/>
-                <a:ea typeface="+mn-ea"/>
-                <a:cs typeface="+mn-cs"/>
-              </a:rPr>
+              <a:rPr lang="en-US" sz="2000"/>
               <a:t>Hashtags seem to make little difference, if not deployed strategically.</a:t>
             </a:r>
           </a:p>
           <a:p>
+            <a:pPr indent="-228600">
+              <a:buFont typeface="Arial" panose="020B0604020202020204" pitchFamily="34" charset="0"/>
+              <a:buChar char="•"/>
+            </a:pPr>
             <a:r>
-              <a:rPr lang="en-US" sz="2000" kern="1200" dirty="0">
-                <a:solidFill>
-                  <a:schemeClr val="tx1"/>
-                </a:solidFill>
-                <a:latin typeface="+mn-lt"/>
-                <a:ea typeface="+mn-ea"/>
-                <a:cs typeface="+mn-cs"/>
-              </a:rPr>
+              <a:rPr lang="en-US" sz="2000"/>
               <a:t>We suggest:</a:t>
             </a:r>
           </a:p>
           <a:p>
-            <a:pPr marL="342900" indent="-342900">
+            <a:pPr marL="342900" indent="-228600">
               <a:buFont typeface="Arial" panose="020B0604020202020204" pitchFamily="34" charset="0"/>
               <a:buChar char="•"/>
             </a:pPr>
@@ -4269,9 +6691,10 @@
               <a:rPr lang="en-US" sz="2000" dirty="0"/>
               <a:t>Avoid retweeting only</a:t>
             </a:r>
-          </a:p>
-          <a:p>
-            <a:pPr marL="342900" indent="-342900">
+            <a:endParaRPr lang="en-US" sz="2000"/>
+          </a:p>
+          <a:p>
+            <a:pPr marL="342900" indent="-228600">
               <a:buFont typeface="Arial" panose="020B0604020202020204" pitchFamily="34" charset="0"/>
               <a:buChar char="•"/>
             </a:pPr>
@@ -4279,9 +6702,10 @@
               <a:rPr lang="en-US" sz="2000" dirty="0"/>
               <a:t>Reply often to relevant tweets and incorporate hashtags</a:t>
             </a:r>
-          </a:p>
-          <a:p>
-            <a:pPr marL="342900" indent="-342900">
+            <a:endParaRPr lang="en-US" sz="2000"/>
+          </a:p>
+          <a:p>
+            <a:pPr marL="342900" indent="-228600">
               <a:buFont typeface="Arial" panose="020B0604020202020204" pitchFamily="34" charset="0"/>
               <a:buChar char="•"/>
             </a:pPr>
@@ -4289,30 +6713,23 @@
               <a:rPr lang="en-US" sz="2000" dirty="0"/>
               <a:t>Use hashtags in your own tweets</a:t>
             </a:r>
-            <a:endParaRPr lang="en-US" sz="2000" kern="1200" dirty="0">
-              <a:solidFill>
-                <a:schemeClr val="tx1"/>
-              </a:solidFill>
-              <a:latin typeface="+mn-lt"/>
-              <a:ea typeface="+mn-ea"/>
-              <a:cs typeface="+mn-cs"/>
-            </a:endParaRPr>
+            <a:endParaRPr lang="en-US" sz="2000"/>
           </a:p>
           <a:p>
             <a:pPr indent="-228600">
               <a:buFont typeface="Arial" panose="020B0604020202020204" pitchFamily="34" charset="0"/>
               <a:buChar char="•"/>
             </a:pPr>
-            <a:endParaRPr lang="en-US" sz="2200" dirty="0"/>
+            <a:endParaRPr lang="en-US" sz="2000"/>
           </a:p>
         </p:txBody>
       </p:sp>
       <p:pic>
         <p:nvPicPr>
-          <p:cNvPr id="6" name="Content Placeholder 5" descr="Chart&#10;&#10;Description automatically generated with medium confidence">
+          <p:cNvPr id="9" name="Content Placeholder 8" descr="Chart&#10;&#10;Description automatically generated">
             <a:extLst>
               <a:ext uri="{FF2B5EF4-FFF2-40B4-BE49-F238E27FC236}">
-                <a16:creationId xmlns:a16="http://schemas.microsoft.com/office/drawing/2014/main" id="{41D6293E-FA98-4BF1-A1ED-A55503088B1F}"/>
+                <a16:creationId xmlns:a16="http://schemas.microsoft.com/office/drawing/2014/main" id="{3E05385F-A545-464C-911B-8B69F20031CD}"/>
               </a:ext>
             </a:extLst>
           </p:cNvPr>
@@ -4337,44 +6754,8 @@
         </p:blipFill>
         <p:spPr>
           <a:xfrm>
-            <a:off x="4675477" y="1900395"/>
-            <a:ext cx="6169214" cy="4904528"/>
-          </a:xfrm>
-          <a:prstGeom prst="rect">
-            <a:avLst/>
-          </a:prstGeom>
-        </p:spPr>
-      </p:pic>
-      <p:pic>
-        <p:nvPicPr>
-          <p:cNvPr id="8" name="Picture 7" descr="Chart, scatter chart&#10;&#10;Description automatically generated">
-            <a:extLst>
-              <a:ext uri="{FF2B5EF4-FFF2-40B4-BE49-F238E27FC236}">
-                <a16:creationId xmlns:a16="http://schemas.microsoft.com/office/drawing/2014/main" id="{990F0CB4-347C-4D2E-B06E-6DEBBFD1313A}"/>
-              </a:ext>
-            </a:extLst>
-          </p:cNvPr>
-          <p:cNvPicPr>
-            <a:picLocks noChangeAspect="1"/>
-          </p:cNvPicPr>
-          <p:nvPr/>
-        </p:nvPicPr>
-        <p:blipFill>
-          <a:blip r:embed="rId3">
-            <a:extLst>
-              <a:ext uri="{28A0092B-C50C-407E-A947-70E740481C1C}">
-                <a14:useLocalDpi xmlns:a14="http://schemas.microsoft.com/office/drawing/2010/main" val="0"/>
-              </a:ext>
-            </a:extLst>
-          </a:blip>
-          <a:stretch>
-            <a:fillRect/>
-          </a:stretch>
-        </p:blipFill>
-        <p:spPr>
-          <a:xfrm>
-            <a:off x="4059936" y="142701"/>
-            <a:ext cx="7940351" cy="1704617"/>
+            <a:off x="4654296" y="805586"/>
+            <a:ext cx="6903720" cy="5246827"/>
           </a:xfrm>
           <a:prstGeom prst="rect">
             <a:avLst/>
@@ -4914,6 +7295,1359 @@
     <p:extLst>
       <p:ext uri="{BB962C8B-B14F-4D97-AF65-F5344CB8AC3E}">
         <p14:creationId xmlns:p14="http://schemas.microsoft.com/office/powerpoint/2010/main" val="2270417053"/>
+      </p:ext>
+    </p:extLst>
+  </p:cSld>
+  <p:clrMapOvr>
+    <a:masterClrMapping/>
+  </p:clrMapOvr>
+</p:sld>
+</file>
+
+<file path=ppt/slides/slide12.xml><?xml version="1.0" encoding="utf-8"?>
+<p:sld xmlns:a="http://schemas.openxmlformats.org/drawingml/2006/main" xmlns:r="http://schemas.openxmlformats.org/officeDocument/2006/relationships" xmlns:p="http://schemas.openxmlformats.org/presentationml/2006/main">
+  <p:cSld>
+    <p:bg>
+      <p:bgPr>
+        <a:solidFill>
+          <a:schemeClr val="bg1"/>
+        </a:solidFill>
+        <a:effectLst/>
+      </p:bgPr>
+    </p:bg>
+    <p:spTree>
+      <p:nvGrpSpPr>
+        <p:cNvPr id="1" name=""/>
+        <p:cNvGrpSpPr/>
+        <p:nvPr/>
+      </p:nvGrpSpPr>
+      <p:grpSpPr>
+        <a:xfrm>
+          <a:off x="0" y="0"/>
+          <a:ext cx="0" cy="0"/>
+          <a:chOff x="0" y="0"/>
+          <a:chExt cx="0" cy="0"/>
+        </a:xfrm>
+      </p:grpSpPr>
+      <p:sp useBgFill="1">
+        <p:nvSpPr>
+          <p:cNvPr id="13" name="Rectangle 12">
+            <a:extLst>
+              <a:ext uri="{FF2B5EF4-FFF2-40B4-BE49-F238E27FC236}">
+                <a16:creationId xmlns:a16="http://schemas.microsoft.com/office/drawing/2014/main" id="{C05CBC3C-2E5A-4839-8B9B-2E5A6ADF0F58}"/>
+              </a:ext>
+              <a:ext uri="{C183D7F6-B498-43B3-948B-1728B52AA6E4}">
+                <adec:decorative xmlns:adec="http://schemas.microsoft.com/office/drawing/2017/decorative" val="1"/>
+              </a:ext>
+            </a:extLst>
+          </p:cNvPr>
+          <p:cNvSpPr>
+            <a:spLocks noGrp="1" noRot="1" noChangeAspect="1" noMove="1" noResize="1" noEditPoints="1" noAdjustHandles="1" noChangeArrowheads="1" noChangeShapeType="1" noTextEdit="1"/>
+          </p:cNvSpPr>
+          <p:nvPr>
+            <p:extLst>
+              <p:ext uri="{386F3935-93C4-4BCD-93E2-E3B085C9AB24}">
+                <p16:designElem xmlns:p16="http://schemas.microsoft.com/office/powerpoint/2015/main" val="1"/>
+              </p:ext>
+            </p:extLst>
+          </p:nvPr>
+        </p:nvSpPr>
+        <p:spPr>
+          <a:xfrm>
+            <a:off x="0" y="0"/>
+            <a:ext cx="12188952" cy="6858000"/>
+          </a:xfrm>
+          <a:prstGeom prst="rect">
+            <a:avLst/>
+          </a:prstGeom>
+          <a:ln>
+            <a:noFill/>
+          </a:ln>
+        </p:spPr>
+        <p:style>
+          <a:lnRef idx="2">
+            <a:schemeClr val="accent1">
+              <a:shade val="50000"/>
+            </a:schemeClr>
+          </a:lnRef>
+          <a:fillRef idx="1">
+            <a:schemeClr val="accent1"/>
+          </a:fillRef>
+          <a:effectRef idx="0">
+            <a:schemeClr val="accent1"/>
+          </a:effectRef>
+          <a:fontRef idx="minor">
+            <a:schemeClr val="lt1"/>
+          </a:fontRef>
+        </p:style>
+        <p:txBody>
+          <a:bodyPr rtlCol="0" anchor="ctr"/>
+          <a:lstStyle/>
+          <a:p>
+            <a:pPr algn="ctr"/>
+            <a:endParaRPr lang="en-US"/>
+          </a:p>
+        </p:txBody>
+      </p:sp>
+      <p:sp>
+        <p:nvSpPr>
+          <p:cNvPr id="15" name="Freeform: Shape 14">
+            <a:extLst>
+              <a:ext uri="{FF2B5EF4-FFF2-40B4-BE49-F238E27FC236}">
+                <a16:creationId xmlns:a16="http://schemas.microsoft.com/office/drawing/2014/main" id="{827FF362-FC97-4BF5-949B-D4ADFA26E457}"/>
+              </a:ext>
+              <a:ext uri="{C183D7F6-B498-43B3-948B-1728B52AA6E4}">
+                <adec:decorative xmlns:adec="http://schemas.microsoft.com/office/drawing/2017/decorative" val="1"/>
+              </a:ext>
+            </a:extLst>
+          </p:cNvPr>
+          <p:cNvSpPr>
+            <a:spLocks noGrp="1" noRot="1" noChangeAspect="1" noMove="1" noResize="1" noEditPoints="1" noAdjustHandles="1" noChangeArrowheads="1" noChangeShapeType="1" noTextEdit="1"/>
+          </p:cNvSpPr>
+          <p:nvPr>
+            <p:extLst>
+              <p:ext uri="{386F3935-93C4-4BCD-93E2-E3B085C9AB24}">
+                <p16:designElem xmlns:p16="http://schemas.microsoft.com/office/powerpoint/2015/main" val="1"/>
+              </p:ext>
+            </p:extLst>
+          </p:nvPr>
+        </p:nvSpPr>
+        <p:spPr>
+          <a:xfrm rot="8888549">
+            <a:off x="-1059473" y="-1108988"/>
+            <a:ext cx="7179830" cy="5226565"/>
+          </a:xfrm>
+          <a:custGeom>
+            <a:avLst/>
+            <a:gdLst>
+              <a:gd name="connsiteX0" fmla="*/ 5217841 w 7179830"/>
+              <a:gd name="connsiteY0" fmla="*/ 464824 h 5226565"/>
+              <a:gd name="connsiteX1" fmla="*/ 5222490 w 7179830"/>
+              <a:gd name="connsiteY1" fmla="*/ 464289 h 5226565"/>
+              <a:gd name="connsiteX2" fmla="*/ 5216768 w 7179830"/>
+              <a:gd name="connsiteY2" fmla="*/ 463394 h 5226565"/>
+              <a:gd name="connsiteX3" fmla="*/ 5217841 w 7179830"/>
+              <a:gd name="connsiteY3" fmla="*/ 464824 h 5226565"/>
+              <a:gd name="connsiteX4" fmla="*/ 4945201 w 7179830"/>
+              <a:gd name="connsiteY4" fmla="*/ 5226565 h 5226565"/>
+              <a:gd name="connsiteX5" fmla="*/ 140449 w 7179830"/>
+              <a:gd name="connsiteY5" fmla="*/ 2240811 h 5226565"/>
+              <a:gd name="connsiteX6" fmla="*/ 232913 w 7179830"/>
+              <a:gd name="connsiteY6" fmla="*/ 2052782 h 5226565"/>
+              <a:gd name="connsiteX7" fmla="*/ 375714 w 7179830"/>
+              <a:gd name="connsiteY7" fmla="*/ 1803205 h 5226565"/>
+              <a:gd name="connsiteX8" fmla="*/ 1512756 w 7179830"/>
+              <a:gd name="connsiteY8" fmla="*/ 638448 h 5226565"/>
+              <a:gd name="connsiteX9" fmla="*/ 2902095 w 7179830"/>
+              <a:gd name="connsiteY9" fmla="*/ 120440 h 5226565"/>
+              <a:gd name="connsiteX10" fmla="*/ 2848453 w 7179830"/>
+              <a:gd name="connsiteY10" fmla="*/ 125626 h 5226565"/>
+              <a:gd name="connsiteX11" fmla="*/ 1837830 w 7179830"/>
+              <a:gd name="connsiteY11" fmla="*/ 426203 h 5226565"/>
+              <a:gd name="connsiteX12" fmla="*/ 214608 w 7179830"/>
+              <a:gd name="connsiteY12" fmla="*/ 1882239 h 5226565"/>
+              <a:gd name="connsiteX13" fmla="*/ 91317 w 7179830"/>
+              <a:gd name="connsiteY13" fmla="*/ 2123701 h 5226565"/>
+              <a:gd name="connsiteX14" fmla="*/ 64092 w 7179830"/>
+              <a:gd name="connsiteY14" fmla="*/ 2193361 h 5226565"/>
+              <a:gd name="connsiteX15" fmla="*/ 0 w 7179830"/>
+              <a:gd name="connsiteY15" fmla="*/ 2153533 h 5226565"/>
+              <a:gd name="connsiteX16" fmla="*/ 42834 w 7179830"/>
+              <a:gd name="connsiteY16" fmla="*/ 2047277 h 5226565"/>
+              <a:gd name="connsiteX17" fmla="*/ 923582 w 7179830"/>
+              <a:gd name="connsiteY17" fmla="*/ 915600 h 5226565"/>
+              <a:gd name="connsiteX18" fmla="*/ 2686989 w 7179830"/>
+              <a:gd name="connsiteY18" fmla="*/ 73950 h 5226565"/>
+              <a:gd name="connsiteX19" fmla="*/ 3059983 w 7179830"/>
+              <a:gd name="connsiteY19" fmla="*/ 20308 h 5226565"/>
+              <a:gd name="connsiteX20" fmla="*/ 3454435 w 7179830"/>
+              <a:gd name="connsiteY20" fmla="*/ 1176 h 5226565"/>
+              <a:gd name="connsiteX21" fmla="*/ 3923806 w 7179830"/>
+              <a:gd name="connsiteY21" fmla="*/ 49990 h 5226565"/>
+              <a:gd name="connsiteX22" fmla="*/ 5350874 w 7179830"/>
+              <a:gd name="connsiteY22" fmla="*/ 426917 h 5226565"/>
+              <a:gd name="connsiteX23" fmla="*/ 6607360 w 7179830"/>
+              <a:gd name="connsiteY23" fmla="*/ 1075097 h 5226565"/>
+              <a:gd name="connsiteX24" fmla="*/ 7110534 w 7179830"/>
+              <a:gd name="connsiteY24" fmla="*/ 1541421 h 5226565"/>
+              <a:gd name="connsiteX25" fmla="*/ 7179830 w 7179830"/>
+              <a:gd name="connsiteY25" fmla="*/ 1630542 h 5226565"/>
+              <a:gd name="connsiteX26" fmla="*/ 7136295 w 7179830"/>
+              <a:gd name="connsiteY26" fmla="*/ 1700600 h 5226565"/>
+              <a:gd name="connsiteX27" fmla="*/ 7131140 w 7179830"/>
+              <a:gd name="connsiteY27" fmla="*/ 1693045 h 5226565"/>
+              <a:gd name="connsiteX28" fmla="*/ 6577499 w 7179830"/>
+              <a:gd name="connsiteY28" fmla="*/ 1148230 h 5226565"/>
+              <a:gd name="connsiteX29" fmla="*/ 5494816 w 7179830"/>
+              <a:gd name="connsiteY29" fmla="*/ 563527 h 5226565"/>
+              <a:gd name="connsiteX30" fmla="*/ 5366967 w 7179830"/>
+              <a:gd name="connsiteY30" fmla="*/ 514176 h 5226565"/>
+              <a:gd name="connsiteX31" fmla="*/ 5244661 w 7179830"/>
+              <a:gd name="connsiteY31" fmla="*/ 470725 h 5226565"/>
+              <a:gd name="connsiteX32" fmla="*/ 5904822 w 7179830"/>
+              <a:gd name="connsiteY32" fmla="*/ 815468 h 5226565"/>
+              <a:gd name="connsiteX33" fmla="*/ 7015222 w 7179830"/>
+              <a:gd name="connsiteY33" fmla="*/ 1815185 h 5226565"/>
+              <a:gd name="connsiteX34" fmla="*/ 7040454 w 7179830"/>
+              <a:gd name="connsiteY34" fmla="*/ 1854830 h 5226565"/>
+            </a:gdLst>
+            <a:ahLst/>
+            <a:cxnLst>
+              <a:cxn ang="0">
+                <a:pos x="connsiteX0" y="connsiteY0"/>
+              </a:cxn>
+              <a:cxn ang="0">
+                <a:pos x="connsiteX1" y="connsiteY1"/>
+              </a:cxn>
+              <a:cxn ang="0">
+                <a:pos x="connsiteX2" y="connsiteY2"/>
+              </a:cxn>
+              <a:cxn ang="0">
+                <a:pos x="connsiteX3" y="connsiteY3"/>
+              </a:cxn>
+              <a:cxn ang="0">
+                <a:pos x="connsiteX4" y="connsiteY4"/>
+              </a:cxn>
+              <a:cxn ang="0">
+                <a:pos x="connsiteX5" y="connsiteY5"/>
+              </a:cxn>
+              <a:cxn ang="0">
+                <a:pos x="connsiteX6" y="connsiteY6"/>
+              </a:cxn>
+              <a:cxn ang="0">
+                <a:pos x="connsiteX7" y="connsiteY7"/>
+              </a:cxn>
+              <a:cxn ang="0">
+                <a:pos x="connsiteX8" y="connsiteY8"/>
+              </a:cxn>
+              <a:cxn ang="0">
+                <a:pos x="connsiteX9" y="connsiteY9"/>
+              </a:cxn>
+              <a:cxn ang="0">
+                <a:pos x="connsiteX10" y="connsiteY10"/>
+              </a:cxn>
+              <a:cxn ang="0">
+                <a:pos x="connsiteX11" y="connsiteY11"/>
+              </a:cxn>
+              <a:cxn ang="0">
+                <a:pos x="connsiteX12" y="connsiteY12"/>
+              </a:cxn>
+              <a:cxn ang="0">
+                <a:pos x="connsiteX13" y="connsiteY13"/>
+              </a:cxn>
+              <a:cxn ang="0">
+                <a:pos x="connsiteX14" y="connsiteY14"/>
+              </a:cxn>
+              <a:cxn ang="0">
+                <a:pos x="connsiteX15" y="connsiteY15"/>
+              </a:cxn>
+              <a:cxn ang="0">
+                <a:pos x="connsiteX16" y="connsiteY16"/>
+              </a:cxn>
+              <a:cxn ang="0">
+                <a:pos x="connsiteX17" y="connsiteY17"/>
+              </a:cxn>
+              <a:cxn ang="0">
+                <a:pos x="connsiteX18" y="connsiteY18"/>
+              </a:cxn>
+              <a:cxn ang="0">
+                <a:pos x="connsiteX19" y="connsiteY19"/>
+              </a:cxn>
+              <a:cxn ang="0">
+                <a:pos x="connsiteX20" y="connsiteY20"/>
+              </a:cxn>
+              <a:cxn ang="0">
+                <a:pos x="connsiteX21" y="connsiteY21"/>
+              </a:cxn>
+              <a:cxn ang="0">
+                <a:pos x="connsiteX22" y="connsiteY22"/>
+              </a:cxn>
+              <a:cxn ang="0">
+                <a:pos x="connsiteX23" y="connsiteY23"/>
+              </a:cxn>
+              <a:cxn ang="0">
+                <a:pos x="connsiteX24" y="connsiteY24"/>
+              </a:cxn>
+              <a:cxn ang="0">
+                <a:pos x="connsiteX25" y="connsiteY25"/>
+              </a:cxn>
+              <a:cxn ang="0">
+                <a:pos x="connsiteX26" y="connsiteY26"/>
+              </a:cxn>
+              <a:cxn ang="0">
+                <a:pos x="connsiteX27" y="connsiteY27"/>
+              </a:cxn>
+              <a:cxn ang="0">
+                <a:pos x="connsiteX28" y="connsiteY28"/>
+              </a:cxn>
+              <a:cxn ang="0">
+                <a:pos x="connsiteX29" y="connsiteY29"/>
+              </a:cxn>
+              <a:cxn ang="0">
+                <a:pos x="connsiteX30" y="connsiteY30"/>
+              </a:cxn>
+              <a:cxn ang="0">
+                <a:pos x="connsiteX31" y="connsiteY31"/>
+              </a:cxn>
+              <a:cxn ang="0">
+                <a:pos x="connsiteX32" y="connsiteY32"/>
+              </a:cxn>
+              <a:cxn ang="0">
+                <a:pos x="connsiteX33" y="connsiteY33"/>
+              </a:cxn>
+              <a:cxn ang="0">
+                <a:pos x="connsiteX34" y="connsiteY34"/>
+              </a:cxn>
+            </a:cxnLst>
+            <a:rect l="l" t="t" r="r" b="b"/>
+            <a:pathLst>
+              <a:path w="7179830" h="5226565">
+                <a:moveTo>
+                  <a:pt x="5217841" y="464824"/>
+                </a:moveTo>
+                <a:lnTo>
+                  <a:pt x="5222490" y="464289"/>
+                </a:lnTo>
+                <a:lnTo>
+                  <a:pt x="5216768" y="463394"/>
+                </a:lnTo>
+                <a:cubicBezTo>
+                  <a:pt x="5216768" y="463394"/>
+                  <a:pt x="5216768" y="464646"/>
+                  <a:pt x="5217841" y="464824"/>
+                </a:cubicBezTo>
+                <a:close/>
+                <a:moveTo>
+                  <a:pt x="4945201" y="5226565"/>
+                </a:moveTo>
+                <a:lnTo>
+                  <a:pt x="140449" y="2240811"/>
+                </a:lnTo>
+                <a:lnTo>
+                  <a:pt x="232913" y="2052782"/>
+                </a:lnTo>
+                <a:cubicBezTo>
+                  <a:pt x="277693" y="1968290"/>
+                  <a:pt x="325201" y="1885054"/>
+                  <a:pt x="375714" y="1803205"/>
+                </a:cubicBezTo>
+                <a:cubicBezTo>
+                  <a:pt x="667528" y="1329721"/>
+                  <a:pt x="1039629" y="935091"/>
+                  <a:pt x="1512756" y="638448"/>
+                </a:cubicBezTo>
+                <a:cubicBezTo>
+                  <a:pt x="1939392" y="370950"/>
+                  <a:pt x="2405724" y="210560"/>
+                  <a:pt x="2902095" y="120440"/>
+                </a:cubicBezTo>
+                <a:cubicBezTo>
+                  <a:pt x="2884054" y="118134"/>
+                  <a:pt x="2865727" y="119904"/>
+                  <a:pt x="2848453" y="125626"/>
+                </a:cubicBezTo>
+                <a:cubicBezTo>
+                  <a:pt x="2498704" y="175943"/>
+                  <a:pt x="2158217" y="277201"/>
+                  <a:pt x="1837830" y="426203"/>
+                </a:cubicBezTo>
+                <a:cubicBezTo>
+                  <a:pt x="1147094" y="744660"/>
+                  <a:pt x="593502" y="1217071"/>
+                  <a:pt x="214608" y="1882239"/>
+                </a:cubicBezTo>
+                <a:cubicBezTo>
+                  <a:pt x="169441" y="1960776"/>
+                  <a:pt x="128308" y="2041369"/>
+                  <a:pt x="91317" y="2123701"/>
+                </a:cubicBezTo>
+                <a:lnTo>
+                  <a:pt x="64092" y="2193361"/>
+                </a:lnTo>
+                <a:lnTo>
+                  <a:pt x="0" y="2153533"/>
+                </a:lnTo>
+                <a:lnTo>
+                  <a:pt x="42834" y="2047277"/>
+                </a:lnTo>
+                <a:cubicBezTo>
+                  <a:pt x="241792" y="1615775"/>
+                  <a:pt x="541268" y="1241591"/>
+                  <a:pt x="923582" y="915600"/>
+                </a:cubicBezTo>
+                <a:cubicBezTo>
+                  <a:pt x="1435331" y="478415"/>
+                  <a:pt x="2028081" y="205375"/>
+                  <a:pt x="2686989" y="73950"/>
+                </a:cubicBezTo>
+                <a:cubicBezTo>
+                  <a:pt x="2810367" y="49274"/>
+                  <a:pt x="2934818" y="32466"/>
+                  <a:pt x="3059983" y="20308"/>
+                </a:cubicBezTo>
+                <a:cubicBezTo>
+                  <a:pt x="3185149" y="8148"/>
+                  <a:pt x="3308706" y="2963"/>
+                  <a:pt x="3454435" y="1176"/>
+                </a:cubicBezTo>
+                <a:cubicBezTo>
+                  <a:pt x="3599805" y="-5977"/>
+                  <a:pt x="3761985" y="20665"/>
+                  <a:pt x="3923806" y="49990"/>
+                </a:cubicBezTo>
+                <a:cubicBezTo>
+                  <a:pt x="4409449" y="137964"/>
+                  <a:pt x="4886867" y="257228"/>
+                  <a:pt x="5350874" y="426917"/>
+                </a:cubicBezTo>
+                <a:cubicBezTo>
+                  <a:pt x="5797001" y="589991"/>
+                  <a:pt x="6223101" y="792223"/>
+                  <a:pt x="6607360" y="1075097"/>
+                </a:cubicBezTo>
+                <a:cubicBezTo>
+                  <a:pt x="6794438" y="1212779"/>
+                  <a:pt x="6965102" y="1365689"/>
+                  <a:pt x="7110534" y="1541421"/>
+                </a:cubicBezTo>
+                <a:lnTo>
+                  <a:pt x="7179830" y="1630542"/>
+                </a:lnTo>
+                <a:lnTo>
+                  <a:pt x="7136295" y="1700600"/>
+                </a:lnTo>
+                <a:lnTo>
+                  <a:pt x="7131140" y="1693045"/>
+                </a:lnTo>
+                <a:cubicBezTo>
+                  <a:pt x="6977874" y="1483026"/>
+                  <a:pt x="6788448" y="1305671"/>
+                  <a:pt x="6577499" y="1148230"/>
+                </a:cubicBezTo>
+                <a:cubicBezTo>
+                  <a:pt x="6245452" y="900401"/>
+                  <a:pt x="5878538" y="716408"/>
+                  <a:pt x="5494816" y="563527"/>
+                </a:cubicBezTo>
+                <a:cubicBezTo>
+                  <a:pt x="5452491" y="546487"/>
+                  <a:pt x="5409881" y="530036"/>
+                  <a:pt x="5366967" y="514176"/>
+                </a:cubicBezTo>
+                <a:cubicBezTo>
+                  <a:pt x="5326377" y="499156"/>
+                  <a:pt x="5285430" y="485210"/>
+                  <a:pt x="5244661" y="470725"/>
+                </a:cubicBezTo>
+                <a:cubicBezTo>
+                  <a:pt x="5471517" y="572127"/>
+                  <a:pt x="5691970" y="687263"/>
+                  <a:pt x="5904822" y="815468"/>
+                </a:cubicBezTo>
+                <a:cubicBezTo>
+                  <a:pt x="6336645" y="1080104"/>
+                  <a:pt x="6718758" y="1400351"/>
+                  <a:pt x="7015222" y="1815185"/>
+                </a:cubicBezTo>
+                <a:lnTo>
+                  <a:pt x="7040454" y="1854830"/>
+                </a:lnTo>
+                <a:close/>
+              </a:path>
+            </a:pathLst>
+          </a:custGeom>
+          <a:solidFill>
+            <a:schemeClr val="accent2"/>
+          </a:solidFill>
+          <a:ln w="12700" cap="flat">
+            <a:noFill/>
+            <a:prstDash val="solid"/>
+            <a:miter/>
+          </a:ln>
+        </p:spPr>
+        <p:txBody>
+          <a:bodyPr wrap="square" rtlCol="0" anchor="ctr">
+            <a:noAutofit/>
+          </a:bodyPr>
+          <a:lstStyle/>
+          <a:p>
+            <a:endParaRPr lang="en-US"/>
+          </a:p>
+        </p:txBody>
+      </p:sp>
+      <p:sp>
+        <p:nvSpPr>
+          <p:cNvPr id="7" name="Title 6">
+            <a:extLst>
+              <a:ext uri="{FF2B5EF4-FFF2-40B4-BE49-F238E27FC236}">
+                <a16:creationId xmlns:a16="http://schemas.microsoft.com/office/drawing/2014/main" id="{F0E60510-6990-43A8-A857-C84259A59AFE}"/>
+              </a:ext>
+            </a:extLst>
+          </p:cNvPr>
+          <p:cNvSpPr>
+            <a:spLocks noGrp="1"/>
+          </p:cNvSpPr>
+          <p:nvPr>
+            <p:ph type="title"/>
+          </p:nvPr>
+        </p:nvSpPr>
+        <p:spPr>
+          <a:xfrm>
+            <a:off x="841246" y="673770"/>
+            <a:ext cx="3824060" cy="2414488"/>
+          </a:xfrm>
+        </p:spPr>
+        <p:txBody>
+          <a:bodyPr anchor="t">
+            <a:normAutofit/>
+          </a:bodyPr>
+          <a:lstStyle/>
+          <a:p>
+            <a:r>
+              <a:rPr lang="en-US" sz="5400" dirty="0">
+                <a:solidFill>
+                  <a:srgbClr val="FFFFFF"/>
+                </a:solidFill>
+              </a:rPr>
+              <a:t>We</a:t>
+            </a:r>
+            <a:br>
+              <a:rPr lang="en-US" sz="5400" dirty="0">
+                <a:solidFill>
+                  <a:srgbClr val="FFFFFF"/>
+                </a:solidFill>
+              </a:rPr>
+            </a:br>
+            <a:r>
+              <a:rPr lang="en-US" sz="5400" dirty="0">
+                <a:solidFill>
+                  <a:srgbClr val="FFFFFF"/>
+                </a:solidFill>
+              </a:rPr>
+              <a:t>Recommend</a:t>
+            </a:r>
+            <a:endParaRPr lang="en-CA" sz="5400" dirty="0">
+              <a:solidFill>
+                <a:srgbClr val="FFFFFF"/>
+              </a:solidFill>
+            </a:endParaRPr>
+          </a:p>
+        </p:txBody>
+      </p:sp>
+      <p:sp>
+        <p:nvSpPr>
+          <p:cNvPr id="8" name="Content Placeholder 7">
+            <a:extLst>
+              <a:ext uri="{FF2B5EF4-FFF2-40B4-BE49-F238E27FC236}">
+                <a16:creationId xmlns:a16="http://schemas.microsoft.com/office/drawing/2014/main" id="{CD7DA83C-6319-424C-AA46-3D9249F8C20F}"/>
+              </a:ext>
+            </a:extLst>
+          </p:cNvPr>
+          <p:cNvSpPr>
+            <a:spLocks noGrp="1"/>
+          </p:cNvSpPr>
+          <p:nvPr>
+            <p:ph idx="1"/>
+          </p:nvPr>
+        </p:nvSpPr>
+        <p:spPr>
+          <a:xfrm>
+            <a:off x="6095999" y="882315"/>
+            <a:ext cx="5254754" cy="5294647"/>
+          </a:xfrm>
+        </p:spPr>
+        <p:txBody>
+          <a:bodyPr>
+            <a:normAutofit/>
+          </a:bodyPr>
+          <a:lstStyle/>
+          <a:p>
+            <a:pPr marL="0" indent="0">
+              <a:buNone/>
+            </a:pPr>
+            <a:r>
+              <a:rPr lang="en-US" sz="2200" dirty="0"/>
+              <a:t>To increase engagement:</a:t>
+            </a:r>
+          </a:p>
+          <a:p>
+            <a:r>
+              <a:rPr lang="en-US" sz="2200" dirty="0"/>
+              <a:t>Engage with other accounts by replying, quoting, and tagging them in your tweets</a:t>
+            </a:r>
+          </a:p>
+          <a:p>
+            <a:r>
+              <a:rPr lang="en-US" sz="2200" dirty="0"/>
+              <a:t>Deploy hashtags strategically in own tweets, replies to and quotes of others</a:t>
+            </a:r>
+          </a:p>
+          <a:p>
+            <a:r>
+              <a:rPr lang="en-US" sz="2200" dirty="0"/>
+              <a:t>Avoid retweeting only</a:t>
+            </a:r>
+          </a:p>
+          <a:p>
+            <a:r>
+              <a:rPr lang="en-US" sz="2200" dirty="0"/>
+              <a:t>Target accounts such as @RegionWaterloo with high follower count and plug into relevant quotes your cause with a reply, quote, or tag</a:t>
+            </a:r>
+          </a:p>
+          <a:p>
+            <a:endParaRPr lang="en-CA" sz="2200" dirty="0"/>
+          </a:p>
+        </p:txBody>
+      </p:sp>
+    </p:spTree>
+    <p:extLst>
+      <p:ext uri="{BB962C8B-B14F-4D97-AF65-F5344CB8AC3E}">
+        <p14:creationId xmlns:p14="http://schemas.microsoft.com/office/powerpoint/2010/main" val="599569812"/>
+      </p:ext>
+    </p:extLst>
+  </p:cSld>
+  <p:clrMapOvr>
+    <a:masterClrMapping/>
+  </p:clrMapOvr>
+</p:sld>
+</file>
+
+<file path=ppt/slides/slide13.xml><?xml version="1.0" encoding="utf-8"?>
+<p:sld xmlns:a="http://schemas.openxmlformats.org/drawingml/2006/main" xmlns:r="http://schemas.openxmlformats.org/officeDocument/2006/relationships" xmlns:p="http://schemas.openxmlformats.org/presentationml/2006/main">
+  <p:cSld>
+    <p:bg>
+      <p:bgPr>
+        <a:solidFill>
+          <a:schemeClr val="bg1"/>
+        </a:solidFill>
+        <a:effectLst/>
+      </p:bgPr>
+    </p:bg>
+    <p:spTree>
+      <p:nvGrpSpPr>
+        <p:cNvPr id="1" name=""/>
+        <p:cNvGrpSpPr/>
+        <p:nvPr/>
+      </p:nvGrpSpPr>
+      <p:grpSpPr>
+        <a:xfrm>
+          <a:off x="0" y="0"/>
+          <a:ext cx="0" cy="0"/>
+          <a:chOff x="0" y="0"/>
+          <a:chExt cx="0" cy="0"/>
+        </a:xfrm>
+      </p:grpSpPr>
+      <p:sp>
+        <p:nvSpPr>
+          <p:cNvPr id="2" name="Title 1">
+            <a:extLst>
+              <a:ext uri="{FF2B5EF4-FFF2-40B4-BE49-F238E27FC236}">
+                <a16:creationId xmlns:a16="http://schemas.microsoft.com/office/drawing/2014/main" id="{0F74BCD0-66B5-435C-B437-972C50A90738}"/>
+              </a:ext>
+            </a:extLst>
+          </p:cNvPr>
+          <p:cNvSpPr>
+            <a:spLocks noGrp="1"/>
+          </p:cNvSpPr>
+          <p:nvPr>
+            <p:ph type="title"/>
+          </p:nvPr>
+        </p:nvSpPr>
+        <p:spPr>
+          <a:xfrm>
+            <a:off x="524741" y="620392"/>
+            <a:ext cx="3808268" cy="5504688"/>
+          </a:xfrm>
+        </p:spPr>
+        <p:txBody>
+          <a:bodyPr>
+            <a:normAutofit/>
+          </a:bodyPr>
+          <a:lstStyle/>
+          <a:p>
+            <a:r>
+              <a:rPr lang="en-US" sz="6000">
+                <a:solidFill>
+                  <a:schemeClr val="accent5"/>
+                </a:solidFill>
+              </a:rPr>
+              <a:t>Future questions for analysis</a:t>
+            </a:r>
+            <a:endParaRPr lang="en-CA" sz="6000">
+              <a:solidFill>
+                <a:schemeClr val="accent5"/>
+              </a:solidFill>
+            </a:endParaRPr>
+          </a:p>
+        </p:txBody>
+      </p:sp>
+      <p:graphicFrame>
+        <p:nvGraphicFramePr>
+          <p:cNvPr id="5" name="Content Placeholder 2">
+            <a:extLst>
+              <a:ext uri="{FF2B5EF4-FFF2-40B4-BE49-F238E27FC236}">
+                <a16:creationId xmlns:a16="http://schemas.microsoft.com/office/drawing/2014/main" id="{8B70A67C-0230-4F93-B0DE-6A50F0BC92E4}"/>
+              </a:ext>
+            </a:extLst>
+          </p:cNvPr>
+          <p:cNvGraphicFramePr>
+            <a:graphicFrameLocks noGrp="1"/>
+          </p:cNvGraphicFramePr>
+          <p:nvPr>
+            <p:ph idx="1"/>
+            <p:extLst>
+              <p:ext uri="{D42A27DB-BD31-4B8C-83A1-F6EECF244321}">
+                <p14:modId xmlns:p14="http://schemas.microsoft.com/office/powerpoint/2010/main" val="1149987491"/>
+              </p:ext>
+            </p:extLst>
+          </p:nvPr>
+        </p:nvGraphicFramePr>
+        <p:xfrm>
+          <a:off x="5093208" y="620392"/>
+          <a:ext cx="6263640" cy="5504688"/>
+        </p:xfrm>
+        <a:graphic>
+          <a:graphicData uri="http://schemas.openxmlformats.org/drawingml/2006/diagram">
+            <dgm:relIds xmlns:dgm="http://schemas.openxmlformats.org/drawingml/2006/diagram" xmlns:r="http://schemas.openxmlformats.org/officeDocument/2006/relationships" r:dm="rId2" r:lo="rId3" r:qs="rId4" r:cs="rId5"/>
+          </a:graphicData>
+        </a:graphic>
+      </p:graphicFrame>
+    </p:spTree>
+    <p:extLst>
+      <p:ext uri="{BB962C8B-B14F-4D97-AF65-F5344CB8AC3E}">
+        <p14:creationId xmlns:p14="http://schemas.microsoft.com/office/powerpoint/2010/main" val="1425155230"/>
+      </p:ext>
+    </p:extLst>
+  </p:cSld>
+  <p:clrMapOvr>
+    <a:masterClrMapping/>
+  </p:clrMapOvr>
+</p:sld>
+</file>
+
+<file path=ppt/slides/slide14.xml><?xml version="1.0" encoding="utf-8"?>
+<p:sld xmlns:a="http://schemas.openxmlformats.org/drawingml/2006/main" xmlns:r="http://schemas.openxmlformats.org/officeDocument/2006/relationships" xmlns:p="http://schemas.openxmlformats.org/presentationml/2006/main">
+  <p:cSld>
+    <p:bg>
+      <p:bgPr>
+        <a:solidFill>
+          <a:schemeClr val="bg1"/>
+        </a:solidFill>
+        <a:effectLst/>
+      </p:bgPr>
+    </p:bg>
+    <p:spTree>
+      <p:nvGrpSpPr>
+        <p:cNvPr id="1" name=""/>
+        <p:cNvGrpSpPr/>
+        <p:nvPr/>
+      </p:nvGrpSpPr>
+      <p:grpSpPr>
+        <a:xfrm>
+          <a:off x="0" y="0"/>
+          <a:ext cx="0" cy="0"/>
+          <a:chOff x="0" y="0"/>
+          <a:chExt cx="0" cy="0"/>
+        </a:xfrm>
+      </p:grpSpPr>
+      <p:sp useBgFill="1">
+        <p:nvSpPr>
+          <p:cNvPr id="8" name="Rectangle 7">
+            <a:extLst>
+              <a:ext uri="{FF2B5EF4-FFF2-40B4-BE49-F238E27FC236}">
+                <a16:creationId xmlns:a16="http://schemas.microsoft.com/office/drawing/2014/main" id="{C05CBC3C-2E5A-4839-8B9B-2E5A6ADF0F58}"/>
+              </a:ext>
+              <a:ext uri="{C183D7F6-B498-43B3-948B-1728B52AA6E4}">
+                <adec:decorative xmlns:adec="http://schemas.microsoft.com/office/drawing/2017/decorative" val="1"/>
+              </a:ext>
+            </a:extLst>
+          </p:cNvPr>
+          <p:cNvSpPr>
+            <a:spLocks noGrp="1" noRot="1" noChangeAspect="1" noMove="1" noResize="1" noEditPoints="1" noAdjustHandles="1" noChangeArrowheads="1" noChangeShapeType="1" noTextEdit="1"/>
+          </p:cNvSpPr>
+          <p:nvPr>
+            <p:extLst>
+              <p:ext uri="{386F3935-93C4-4BCD-93E2-E3B085C9AB24}">
+                <p16:designElem xmlns:p16="http://schemas.microsoft.com/office/powerpoint/2015/main" val="1"/>
+              </p:ext>
+            </p:extLst>
+          </p:nvPr>
+        </p:nvSpPr>
+        <p:spPr>
+          <a:xfrm>
+            <a:off x="0" y="0"/>
+            <a:ext cx="12188952" cy="6858000"/>
+          </a:xfrm>
+          <a:prstGeom prst="rect">
+            <a:avLst/>
+          </a:prstGeom>
+          <a:ln>
+            <a:noFill/>
+          </a:ln>
+        </p:spPr>
+        <p:style>
+          <a:lnRef idx="2">
+            <a:schemeClr val="accent1">
+              <a:shade val="50000"/>
+            </a:schemeClr>
+          </a:lnRef>
+          <a:fillRef idx="1">
+            <a:schemeClr val="accent1"/>
+          </a:fillRef>
+          <a:effectRef idx="0">
+            <a:schemeClr val="accent1"/>
+          </a:effectRef>
+          <a:fontRef idx="minor">
+            <a:schemeClr val="lt1"/>
+          </a:fontRef>
+        </p:style>
+        <p:txBody>
+          <a:bodyPr rtlCol="0" anchor="ctr"/>
+          <a:lstStyle/>
+          <a:p>
+            <a:pPr algn="ctr"/>
+            <a:endParaRPr lang="en-US"/>
+          </a:p>
+        </p:txBody>
+      </p:sp>
+      <p:sp>
+        <p:nvSpPr>
+          <p:cNvPr id="10" name="Freeform: Shape 9">
+            <a:extLst>
+              <a:ext uri="{FF2B5EF4-FFF2-40B4-BE49-F238E27FC236}">
+                <a16:creationId xmlns:a16="http://schemas.microsoft.com/office/drawing/2014/main" id="{827FF362-FC97-4BF5-949B-D4ADFA26E457}"/>
+              </a:ext>
+              <a:ext uri="{C183D7F6-B498-43B3-948B-1728B52AA6E4}">
+                <adec:decorative xmlns:adec="http://schemas.microsoft.com/office/drawing/2017/decorative" val="1"/>
+              </a:ext>
+            </a:extLst>
+          </p:cNvPr>
+          <p:cNvSpPr>
+            <a:spLocks noGrp="1" noRot="1" noChangeAspect="1" noMove="1" noResize="1" noEditPoints="1" noAdjustHandles="1" noChangeArrowheads="1" noChangeShapeType="1" noTextEdit="1"/>
+          </p:cNvSpPr>
+          <p:nvPr>
+            <p:extLst>
+              <p:ext uri="{386F3935-93C4-4BCD-93E2-E3B085C9AB24}">
+                <p16:designElem xmlns:p16="http://schemas.microsoft.com/office/powerpoint/2015/main" val="1"/>
+              </p:ext>
+            </p:extLst>
+          </p:nvPr>
+        </p:nvSpPr>
+        <p:spPr>
+          <a:xfrm rot="8888549">
+            <a:off x="-1059473" y="-1108988"/>
+            <a:ext cx="7179830" cy="5226565"/>
+          </a:xfrm>
+          <a:custGeom>
+            <a:avLst/>
+            <a:gdLst>
+              <a:gd name="connsiteX0" fmla="*/ 5217841 w 7179830"/>
+              <a:gd name="connsiteY0" fmla="*/ 464824 h 5226565"/>
+              <a:gd name="connsiteX1" fmla="*/ 5222490 w 7179830"/>
+              <a:gd name="connsiteY1" fmla="*/ 464289 h 5226565"/>
+              <a:gd name="connsiteX2" fmla="*/ 5216768 w 7179830"/>
+              <a:gd name="connsiteY2" fmla="*/ 463394 h 5226565"/>
+              <a:gd name="connsiteX3" fmla="*/ 5217841 w 7179830"/>
+              <a:gd name="connsiteY3" fmla="*/ 464824 h 5226565"/>
+              <a:gd name="connsiteX4" fmla="*/ 4945201 w 7179830"/>
+              <a:gd name="connsiteY4" fmla="*/ 5226565 h 5226565"/>
+              <a:gd name="connsiteX5" fmla="*/ 140449 w 7179830"/>
+              <a:gd name="connsiteY5" fmla="*/ 2240811 h 5226565"/>
+              <a:gd name="connsiteX6" fmla="*/ 232913 w 7179830"/>
+              <a:gd name="connsiteY6" fmla="*/ 2052782 h 5226565"/>
+              <a:gd name="connsiteX7" fmla="*/ 375714 w 7179830"/>
+              <a:gd name="connsiteY7" fmla="*/ 1803205 h 5226565"/>
+              <a:gd name="connsiteX8" fmla="*/ 1512756 w 7179830"/>
+              <a:gd name="connsiteY8" fmla="*/ 638448 h 5226565"/>
+              <a:gd name="connsiteX9" fmla="*/ 2902095 w 7179830"/>
+              <a:gd name="connsiteY9" fmla="*/ 120440 h 5226565"/>
+              <a:gd name="connsiteX10" fmla="*/ 2848453 w 7179830"/>
+              <a:gd name="connsiteY10" fmla="*/ 125626 h 5226565"/>
+              <a:gd name="connsiteX11" fmla="*/ 1837830 w 7179830"/>
+              <a:gd name="connsiteY11" fmla="*/ 426203 h 5226565"/>
+              <a:gd name="connsiteX12" fmla="*/ 214608 w 7179830"/>
+              <a:gd name="connsiteY12" fmla="*/ 1882239 h 5226565"/>
+              <a:gd name="connsiteX13" fmla="*/ 91317 w 7179830"/>
+              <a:gd name="connsiteY13" fmla="*/ 2123701 h 5226565"/>
+              <a:gd name="connsiteX14" fmla="*/ 64092 w 7179830"/>
+              <a:gd name="connsiteY14" fmla="*/ 2193361 h 5226565"/>
+              <a:gd name="connsiteX15" fmla="*/ 0 w 7179830"/>
+              <a:gd name="connsiteY15" fmla="*/ 2153533 h 5226565"/>
+              <a:gd name="connsiteX16" fmla="*/ 42834 w 7179830"/>
+              <a:gd name="connsiteY16" fmla="*/ 2047277 h 5226565"/>
+              <a:gd name="connsiteX17" fmla="*/ 923582 w 7179830"/>
+              <a:gd name="connsiteY17" fmla="*/ 915600 h 5226565"/>
+              <a:gd name="connsiteX18" fmla="*/ 2686989 w 7179830"/>
+              <a:gd name="connsiteY18" fmla="*/ 73950 h 5226565"/>
+              <a:gd name="connsiteX19" fmla="*/ 3059983 w 7179830"/>
+              <a:gd name="connsiteY19" fmla="*/ 20308 h 5226565"/>
+              <a:gd name="connsiteX20" fmla="*/ 3454435 w 7179830"/>
+              <a:gd name="connsiteY20" fmla="*/ 1176 h 5226565"/>
+              <a:gd name="connsiteX21" fmla="*/ 3923806 w 7179830"/>
+              <a:gd name="connsiteY21" fmla="*/ 49990 h 5226565"/>
+              <a:gd name="connsiteX22" fmla="*/ 5350874 w 7179830"/>
+              <a:gd name="connsiteY22" fmla="*/ 426917 h 5226565"/>
+              <a:gd name="connsiteX23" fmla="*/ 6607360 w 7179830"/>
+              <a:gd name="connsiteY23" fmla="*/ 1075097 h 5226565"/>
+              <a:gd name="connsiteX24" fmla="*/ 7110534 w 7179830"/>
+              <a:gd name="connsiteY24" fmla="*/ 1541421 h 5226565"/>
+              <a:gd name="connsiteX25" fmla="*/ 7179830 w 7179830"/>
+              <a:gd name="connsiteY25" fmla="*/ 1630542 h 5226565"/>
+              <a:gd name="connsiteX26" fmla="*/ 7136295 w 7179830"/>
+              <a:gd name="connsiteY26" fmla="*/ 1700600 h 5226565"/>
+              <a:gd name="connsiteX27" fmla="*/ 7131140 w 7179830"/>
+              <a:gd name="connsiteY27" fmla="*/ 1693045 h 5226565"/>
+              <a:gd name="connsiteX28" fmla="*/ 6577499 w 7179830"/>
+              <a:gd name="connsiteY28" fmla="*/ 1148230 h 5226565"/>
+              <a:gd name="connsiteX29" fmla="*/ 5494816 w 7179830"/>
+              <a:gd name="connsiteY29" fmla="*/ 563527 h 5226565"/>
+              <a:gd name="connsiteX30" fmla="*/ 5366967 w 7179830"/>
+              <a:gd name="connsiteY30" fmla="*/ 514176 h 5226565"/>
+              <a:gd name="connsiteX31" fmla="*/ 5244661 w 7179830"/>
+              <a:gd name="connsiteY31" fmla="*/ 470725 h 5226565"/>
+              <a:gd name="connsiteX32" fmla="*/ 5904822 w 7179830"/>
+              <a:gd name="connsiteY32" fmla="*/ 815468 h 5226565"/>
+              <a:gd name="connsiteX33" fmla="*/ 7015222 w 7179830"/>
+              <a:gd name="connsiteY33" fmla="*/ 1815185 h 5226565"/>
+              <a:gd name="connsiteX34" fmla="*/ 7040454 w 7179830"/>
+              <a:gd name="connsiteY34" fmla="*/ 1854830 h 5226565"/>
+            </a:gdLst>
+            <a:ahLst/>
+            <a:cxnLst>
+              <a:cxn ang="0">
+                <a:pos x="connsiteX0" y="connsiteY0"/>
+              </a:cxn>
+              <a:cxn ang="0">
+                <a:pos x="connsiteX1" y="connsiteY1"/>
+              </a:cxn>
+              <a:cxn ang="0">
+                <a:pos x="connsiteX2" y="connsiteY2"/>
+              </a:cxn>
+              <a:cxn ang="0">
+                <a:pos x="connsiteX3" y="connsiteY3"/>
+              </a:cxn>
+              <a:cxn ang="0">
+                <a:pos x="connsiteX4" y="connsiteY4"/>
+              </a:cxn>
+              <a:cxn ang="0">
+                <a:pos x="connsiteX5" y="connsiteY5"/>
+              </a:cxn>
+              <a:cxn ang="0">
+                <a:pos x="connsiteX6" y="connsiteY6"/>
+              </a:cxn>
+              <a:cxn ang="0">
+                <a:pos x="connsiteX7" y="connsiteY7"/>
+              </a:cxn>
+              <a:cxn ang="0">
+                <a:pos x="connsiteX8" y="connsiteY8"/>
+              </a:cxn>
+              <a:cxn ang="0">
+                <a:pos x="connsiteX9" y="connsiteY9"/>
+              </a:cxn>
+              <a:cxn ang="0">
+                <a:pos x="connsiteX10" y="connsiteY10"/>
+              </a:cxn>
+              <a:cxn ang="0">
+                <a:pos x="connsiteX11" y="connsiteY11"/>
+              </a:cxn>
+              <a:cxn ang="0">
+                <a:pos x="connsiteX12" y="connsiteY12"/>
+              </a:cxn>
+              <a:cxn ang="0">
+                <a:pos x="connsiteX13" y="connsiteY13"/>
+              </a:cxn>
+              <a:cxn ang="0">
+                <a:pos x="connsiteX14" y="connsiteY14"/>
+              </a:cxn>
+              <a:cxn ang="0">
+                <a:pos x="connsiteX15" y="connsiteY15"/>
+              </a:cxn>
+              <a:cxn ang="0">
+                <a:pos x="connsiteX16" y="connsiteY16"/>
+              </a:cxn>
+              <a:cxn ang="0">
+                <a:pos x="connsiteX17" y="connsiteY17"/>
+              </a:cxn>
+              <a:cxn ang="0">
+                <a:pos x="connsiteX18" y="connsiteY18"/>
+              </a:cxn>
+              <a:cxn ang="0">
+                <a:pos x="connsiteX19" y="connsiteY19"/>
+              </a:cxn>
+              <a:cxn ang="0">
+                <a:pos x="connsiteX20" y="connsiteY20"/>
+              </a:cxn>
+              <a:cxn ang="0">
+                <a:pos x="connsiteX21" y="connsiteY21"/>
+              </a:cxn>
+              <a:cxn ang="0">
+                <a:pos x="connsiteX22" y="connsiteY22"/>
+              </a:cxn>
+              <a:cxn ang="0">
+                <a:pos x="connsiteX23" y="connsiteY23"/>
+              </a:cxn>
+              <a:cxn ang="0">
+                <a:pos x="connsiteX24" y="connsiteY24"/>
+              </a:cxn>
+              <a:cxn ang="0">
+                <a:pos x="connsiteX25" y="connsiteY25"/>
+              </a:cxn>
+              <a:cxn ang="0">
+                <a:pos x="connsiteX26" y="connsiteY26"/>
+              </a:cxn>
+              <a:cxn ang="0">
+                <a:pos x="connsiteX27" y="connsiteY27"/>
+              </a:cxn>
+              <a:cxn ang="0">
+                <a:pos x="connsiteX28" y="connsiteY28"/>
+              </a:cxn>
+              <a:cxn ang="0">
+                <a:pos x="connsiteX29" y="connsiteY29"/>
+              </a:cxn>
+              <a:cxn ang="0">
+                <a:pos x="connsiteX30" y="connsiteY30"/>
+              </a:cxn>
+              <a:cxn ang="0">
+                <a:pos x="connsiteX31" y="connsiteY31"/>
+              </a:cxn>
+              <a:cxn ang="0">
+                <a:pos x="connsiteX32" y="connsiteY32"/>
+              </a:cxn>
+              <a:cxn ang="0">
+                <a:pos x="connsiteX33" y="connsiteY33"/>
+              </a:cxn>
+              <a:cxn ang="0">
+                <a:pos x="connsiteX34" y="connsiteY34"/>
+              </a:cxn>
+            </a:cxnLst>
+            <a:rect l="l" t="t" r="r" b="b"/>
+            <a:pathLst>
+              <a:path w="7179830" h="5226565">
+                <a:moveTo>
+                  <a:pt x="5217841" y="464824"/>
+                </a:moveTo>
+                <a:lnTo>
+                  <a:pt x="5222490" y="464289"/>
+                </a:lnTo>
+                <a:lnTo>
+                  <a:pt x="5216768" y="463394"/>
+                </a:lnTo>
+                <a:cubicBezTo>
+                  <a:pt x="5216768" y="463394"/>
+                  <a:pt x="5216768" y="464646"/>
+                  <a:pt x="5217841" y="464824"/>
+                </a:cubicBezTo>
+                <a:close/>
+                <a:moveTo>
+                  <a:pt x="4945201" y="5226565"/>
+                </a:moveTo>
+                <a:lnTo>
+                  <a:pt x="140449" y="2240811"/>
+                </a:lnTo>
+                <a:lnTo>
+                  <a:pt x="232913" y="2052782"/>
+                </a:lnTo>
+                <a:cubicBezTo>
+                  <a:pt x="277693" y="1968290"/>
+                  <a:pt x="325201" y="1885054"/>
+                  <a:pt x="375714" y="1803205"/>
+                </a:cubicBezTo>
+                <a:cubicBezTo>
+                  <a:pt x="667528" y="1329721"/>
+                  <a:pt x="1039629" y="935091"/>
+                  <a:pt x="1512756" y="638448"/>
+                </a:cubicBezTo>
+                <a:cubicBezTo>
+                  <a:pt x="1939392" y="370950"/>
+                  <a:pt x="2405724" y="210560"/>
+                  <a:pt x="2902095" y="120440"/>
+                </a:cubicBezTo>
+                <a:cubicBezTo>
+                  <a:pt x="2884054" y="118134"/>
+                  <a:pt x="2865727" y="119904"/>
+                  <a:pt x="2848453" y="125626"/>
+                </a:cubicBezTo>
+                <a:cubicBezTo>
+                  <a:pt x="2498704" y="175943"/>
+                  <a:pt x="2158217" y="277201"/>
+                  <a:pt x="1837830" y="426203"/>
+                </a:cubicBezTo>
+                <a:cubicBezTo>
+                  <a:pt x="1147094" y="744660"/>
+                  <a:pt x="593502" y="1217071"/>
+                  <a:pt x="214608" y="1882239"/>
+                </a:cubicBezTo>
+                <a:cubicBezTo>
+                  <a:pt x="169441" y="1960776"/>
+                  <a:pt x="128308" y="2041369"/>
+                  <a:pt x="91317" y="2123701"/>
+                </a:cubicBezTo>
+                <a:lnTo>
+                  <a:pt x="64092" y="2193361"/>
+                </a:lnTo>
+                <a:lnTo>
+                  <a:pt x="0" y="2153533"/>
+                </a:lnTo>
+                <a:lnTo>
+                  <a:pt x="42834" y="2047277"/>
+                </a:lnTo>
+                <a:cubicBezTo>
+                  <a:pt x="241792" y="1615775"/>
+                  <a:pt x="541268" y="1241591"/>
+                  <a:pt x="923582" y="915600"/>
+                </a:cubicBezTo>
+                <a:cubicBezTo>
+                  <a:pt x="1435331" y="478415"/>
+                  <a:pt x="2028081" y="205375"/>
+                  <a:pt x="2686989" y="73950"/>
+                </a:cubicBezTo>
+                <a:cubicBezTo>
+                  <a:pt x="2810367" y="49274"/>
+                  <a:pt x="2934818" y="32466"/>
+                  <a:pt x="3059983" y="20308"/>
+                </a:cubicBezTo>
+                <a:cubicBezTo>
+                  <a:pt x="3185149" y="8148"/>
+                  <a:pt x="3308706" y="2963"/>
+                  <a:pt x="3454435" y="1176"/>
+                </a:cubicBezTo>
+                <a:cubicBezTo>
+                  <a:pt x="3599805" y="-5977"/>
+                  <a:pt x="3761985" y="20665"/>
+                  <a:pt x="3923806" y="49990"/>
+                </a:cubicBezTo>
+                <a:cubicBezTo>
+                  <a:pt x="4409449" y="137964"/>
+                  <a:pt x="4886867" y="257228"/>
+                  <a:pt x="5350874" y="426917"/>
+                </a:cubicBezTo>
+                <a:cubicBezTo>
+                  <a:pt x="5797001" y="589991"/>
+                  <a:pt x="6223101" y="792223"/>
+                  <a:pt x="6607360" y="1075097"/>
+                </a:cubicBezTo>
+                <a:cubicBezTo>
+                  <a:pt x="6794438" y="1212779"/>
+                  <a:pt x="6965102" y="1365689"/>
+                  <a:pt x="7110534" y="1541421"/>
+                </a:cubicBezTo>
+                <a:lnTo>
+                  <a:pt x="7179830" y="1630542"/>
+                </a:lnTo>
+                <a:lnTo>
+                  <a:pt x="7136295" y="1700600"/>
+                </a:lnTo>
+                <a:lnTo>
+                  <a:pt x="7131140" y="1693045"/>
+                </a:lnTo>
+                <a:cubicBezTo>
+                  <a:pt x="6977874" y="1483026"/>
+                  <a:pt x="6788448" y="1305671"/>
+                  <a:pt x="6577499" y="1148230"/>
+                </a:cubicBezTo>
+                <a:cubicBezTo>
+                  <a:pt x="6245452" y="900401"/>
+                  <a:pt x="5878538" y="716408"/>
+                  <a:pt x="5494816" y="563527"/>
+                </a:cubicBezTo>
+                <a:cubicBezTo>
+                  <a:pt x="5452491" y="546487"/>
+                  <a:pt x="5409881" y="530036"/>
+                  <a:pt x="5366967" y="514176"/>
+                </a:cubicBezTo>
+                <a:cubicBezTo>
+                  <a:pt x="5326377" y="499156"/>
+                  <a:pt x="5285430" y="485210"/>
+                  <a:pt x="5244661" y="470725"/>
+                </a:cubicBezTo>
+                <a:cubicBezTo>
+                  <a:pt x="5471517" y="572127"/>
+                  <a:pt x="5691970" y="687263"/>
+                  <a:pt x="5904822" y="815468"/>
+                </a:cubicBezTo>
+                <a:cubicBezTo>
+                  <a:pt x="6336645" y="1080104"/>
+                  <a:pt x="6718758" y="1400351"/>
+                  <a:pt x="7015222" y="1815185"/>
+                </a:cubicBezTo>
+                <a:lnTo>
+                  <a:pt x="7040454" y="1854830"/>
+                </a:lnTo>
+                <a:close/>
+              </a:path>
+            </a:pathLst>
+          </a:custGeom>
+          <a:solidFill>
+            <a:schemeClr val="accent2"/>
+          </a:solidFill>
+          <a:ln w="12700" cap="flat">
+            <a:noFill/>
+            <a:prstDash val="solid"/>
+            <a:miter/>
+          </a:ln>
+        </p:spPr>
+        <p:txBody>
+          <a:bodyPr wrap="square" rtlCol="0" anchor="ctr">
+            <a:noAutofit/>
+          </a:bodyPr>
+          <a:lstStyle/>
+          <a:p>
+            <a:endParaRPr lang="en-US"/>
+          </a:p>
+        </p:txBody>
+      </p:sp>
+      <p:sp>
+        <p:nvSpPr>
+          <p:cNvPr id="2" name="Title 1">
+            <a:extLst>
+              <a:ext uri="{FF2B5EF4-FFF2-40B4-BE49-F238E27FC236}">
+                <a16:creationId xmlns:a16="http://schemas.microsoft.com/office/drawing/2014/main" id="{5C3F9E26-B45D-4398-BDD2-A7158931E881}"/>
+              </a:ext>
+            </a:extLst>
+          </p:cNvPr>
+          <p:cNvSpPr>
+            <a:spLocks noGrp="1"/>
+          </p:cNvSpPr>
+          <p:nvPr>
+            <p:ph type="title"/>
+          </p:nvPr>
+        </p:nvSpPr>
+        <p:spPr>
+          <a:xfrm>
+            <a:off x="841246" y="673770"/>
+            <a:ext cx="3644489" cy="2414488"/>
+          </a:xfrm>
+        </p:spPr>
+        <p:txBody>
+          <a:bodyPr anchor="t">
+            <a:normAutofit/>
+          </a:bodyPr>
+          <a:lstStyle/>
+          <a:p>
+            <a:r>
+              <a:rPr lang="en-US" sz="5400">
+                <a:solidFill>
+                  <a:srgbClr val="FFFFFF"/>
+                </a:solidFill>
+              </a:rPr>
+              <a:t>Thank you!</a:t>
+            </a:r>
+            <a:endParaRPr lang="en-CA" sz="5400">
+              <a:solidFill>
+                <a:srgbClr val="FFFFFF"/>
+              </a:solidFill>
+            </a:endParaRPr>
+          </a:p>
+        </p:txBody>
+      </p:sp>
+      <p:sp>
+        <p:nvSpPr>
+          <p:cNvPr id="3" name="Content Placeholder 2">
+            <a:extLst>
+              <a:ext uri="{FF2B5EF4-FFF2-40B4-BE49-F238E27FC236}">
+                <a16:creationId xmlns:a16="http://schemas.microsoft.com/office/drawing/2014/main" id="{BFC32CDD-638A-4FEF-9920-7F6FDD206100}"/>
+              </a:ext>
+            </a:extLst>
+          </p:cNvPr>
+          <p:cNvSpPr>
+            <a:spLocks noGrp="1"/>
+          </p:cNvSpPr>
+          <p:nvPr>
+            <p:ph idx="1"/>
+          </p:nvPr>
+        </p:nvSpPr>
+        <p:spPr>
+          <a:xfrm>
+            <a:off x="6095999" y="882315"/>
+            <a:ext cx="5254754" cy="5294647"/>
+          </a:xfrm>
+        </p:spPr>
+        <p:txBody>
+          <a:bodyPr>
+            <a:normAutofit/>
+          </a:bodyPr>
+          <a:lstStyle/>
+          <a:p>
+            <a:pPr marL="0" indent="0">
+              <a:buNone/>
+            </a:pPr>
+            <a:endParaRPr lang="en-US" sz="2200" dirty="0"/>
+          </a:p>
+          <a:p>
+            <a:pPr marL="0" indent="0">
+              <a:buNone/>
+            </a:pPr>
+            <a:r>
+              <a:rPr lang="en-US" sz="2200" dirty="0"/>
+              <a:t>We are happy to </a:t>
+            </a:r>
+            <a:r>
+              <a:rPr lang="en-US" sz="2200"/>
+              <a:t>answer your </a:t>
+            </a:r>
+            <a:r>
+              <a:rPr lang="en-US" sz="2200" dirty="0"/>
+              <a:t>questions</a:t>
+            </a:r>
+          </a:p>
+          <a:p>
+            <a:pPr marL="0" indent="0">
+              <a:buNone/>
+            </a:pPr>
+            <a:endParaRPr lang="en-US" sz="2200" dirty="0"/>
+          </a:p>
+          <a:p>
+            <a:pPr marL="0" indent="0">
+              <a:buNone/>
+            </a:pPr>
+            <a:endParaRPr lang="en-US" sz="1800" dirty="0"/>
+          </a:p>
+          <a:p>
+            <a:pPr marL="0" indent="0">
+              <a:buNone/>
+            </a:pPr>
+            <a:endParaRPr lang="en-US" sz="1800" dirty="0"/>
+          </a:p>
+          <a:p>
+            <a:pPr marL="0" indent="0">
+              <a:buNone/>
+            </a:pPr>
+            <a:r>
+              <a:rPr lang="en-US" sz="1800" dirty="0"/>
+              <a:t>Please find our repository at: </a:t>
+            </a:r>
+            <a:r>
+              <a:rPr lang="en-US" sz="1800" dirty="0">
+                <a:hlinkClick r:id="rId2"/>
+              </a:rPr>
+              <a:t>https://github.com/douglas-thoms/Datathon-2021-10-16</a:t>
+            </a:r>
+            <a:endParaRPr lang="en-US" sz="1800" dirty="0"/>
+          </a:p>
+          <a:p>
+            <a:pPr marL="0" indent="0">
+              <a:buNone/>
+            </a:pPr>
+            <a:endParaRPr lang="en-CA" sz="2200" dirty="0"/>
+          </a:p>
+          <a:p>
+            <a:pPr marL="0" indent="0">
+              <a:buNone/>
+            </a:pPr>
+            <a:endParaRPr lang="en-CA" sz="2200" dirty="0"/>
+          </a:p>
+          <a:p>
+            <a:pPr marL="0" indent="0">
+              <a:buNone/>
+            </a:pPr>
+            <a:endParaRPr lang="en-US" sz="2200" dirty="0"/>
+          </a:p>
+        </p:txBody>
+      </p:sp>
+    </p:spTree>
+    <p:extLst>
+      <p:ext uri="{BB962C8B-B14F-4D97-AF65-F5344CB8AC3E}">
+        <p14:creationId xmlns:p14="http://schemas.microsoft.com/office/powerpoint/2010/main" val="281227333"/>
       </p:ext>
     </p:extLst>
   </p:cSld>
@@ -7539,7 +11273,7 @@
         </p:spPr>
         <p:txBody>
           <a:bodyPr>
-            <a:normAutofit/>
+            <a:normAutofit lnSpcReduction="10000"/>
           </a:bodyPr>
           <a:lstStyle/>
           <a:p>
@@ -7576,6 +11310,23 @@
             <a:r>
               <a:rPr lang="en-CA" sz="2200" dirty="0"/>
               <a:t>Compared the impact of use and non-use of features on engagement of the entire dataset</a:t>
+            </a:r>
+          </a:p>
+          <a:p>
+            <a:pPr lvl="1"/>
+            <a:r>
+              <a:rPr lang="en-CA" sz="2200" dirty="0"/>
+              <a:t>Our repository is at: </a:t>
+            </a:r>
+            <a:r>
+              <a:rPr lang="en-CA" sz="2200" dirty="0">
+                <a:hlinkClick r:id="rId2"/>
+              </a:rPr>
+              <a:t>https://github.com/douglas-thoms/Datathon-2021-10-16</a:t>
+            </a:r>
+            <a:r>
+              <a:rPr lang="en-CA" sz="2200" dirty="0"/>
+              <a:t> </a:t>
             </a:r>
           </a:p>
           <a:p>
